--- a/pyWorks/자료/python_ppt/Python 4장. 리스트, 튜플, 딕셔너리.pptx
+++ b/pyWorks/자료/python_ppt/Python 4장. 리스트, 튜플, 딕셔너리.pptx
@@ -5,7 +5,7 @@
     <p:sldMasterId id="2147483648" r:id="rId1"/>
   </p:sldMasterIdLst>
   <p:notesMasterIdLst>
-    <p:notesMasterId r:id="rId57"/>
+    <p:notesMasterId r:id="rId58"/>
   </p:notesMasterIdLst>
   <p:sldIdLst>
     <p:sldId id="256" r:id="rId2"/>
@@ -23,46 +23,47 @@
     <p:sldId id="397" r:id="rId14"/>
     <p:sldId id="402" r:id="rId15"/>
     <p:sldId id="403" r:id="rId16"/>
-    <p:sldId id="332" r:id="rId17"/>
-    <p:sldId id="334" r:id="rId18"/>
-    <p:sldId id="335" r:id="rId19"/>
-    <p:sldId id="398" r:id="rId20"/>
-    <p:sldId id="399" r:id="rId21"/>
-    <p:sldId id="404" r:id="rId22"/>
-    <p:sldId id="405" r:id="rId23"/>
-    <p:sldId id="357" r:id="rId24"/>
-    <p:sldId id="362" r:id="rId25"/>
-    <p:sldId id="361" r:id="rId26"/>
-    <p:sldId id="310" r:id="rId27"/>
-    <p:sldId id="338" r:id="rId28"/>
-    <p:sldId id="390" r:id="rId29"/>
-    <p:sldId id="391" r:id="rId30"/>
-    <p:sldId id="360" r:id="rId31"/>
-    <p:sldId id="383" r:id="rId32"/>
-    <p:sldId id="343" r:id="rId33"/>
-    <p:sldId id="389" r:id="rId34"/>
-    <p:sldId id="363" r:id="rId35"/>
-    <p:sldId id="374" r:id="rId36"/>
-    <p:sldId id="364" r:id="rId37"/>
-    <p:sldId id="393" r:id="rId38"/>
-    <p:sldId id="394" r:id="rId39"/>
-    <p:sldId id="314" r:id="rId40"/>
-    <p:sldId id="339" r:id="rId41"/>
-    <p:sldId id="379" r:id="rId42"/>
-    <p:sldId id="369" r:id="rId43"/>
-    <p:sldId id="365" r:id="rId44"/>
-    <p:sldId id="367" r:id="rId45"/>
-    <p:sldId id="366" r:id="rId46"/>
-    <p:sldId id="345" r:id="rId47"/>
-    <p:sldId id="381" r:id="rId48"/>
-    <p:sldId id="346" r:id="rId49"/>
-    <p:sldId id="354" r:id="rId50"/>
-    <p:sldId id="392" r:id="rId51"/>
-    <p:sldId id="371" r:id="rId52"/>
-    <p:sldId id="385" r:id="rId53"/>
-    <p:sldId id="386" r:id="rId54"/>
-    <p:sldId id="387" r:id="rId55"/>
-    <p:sldId id="370" r:id="rId56"/>
+    <p:sldId id="334" r:id="rId17"/>
+    <p:sldId id="335" r:id="rId18"/>
+    <p:sldId id="406" r:id="rId19"/>
+    <p:sldId id="407" r:id="rId20"/>
+    <p:sldId id="398" r:id="rId21"/>
+    <p:sldId id="399" r:id="rId22"/>
+    <p:sldId id="404" r:id="rId23"/>
+    <p:sldId id="405" r:id="rId24"/>
+    <p:sldId id="357" r:id="rId25"/>
+    <p:sldId id="362" r:id="rId26"/>
+    <p:sldId id="361" r:id="rId27"/>
+    <p:sldId id="310" r:id="rId28"/>
+    <p:sldId id="338" r:id="rId29"/>
+    <p:sldId id="390" r:id="rId30"/>
+    <p:sldId id="391" r:id="rId31"/>
+    <p:sldId id="360" r:id="rId32"/>
+    <p:sldId id="383" r:id="rId33"/>
+    <p:sldId id="343" r:id="rId34"/>
+    <p:sldId id="389" r:id="rId35"/>
+    <p:sldId id="363" r:id="rId36"/>
+    <p:sldId id="374" r:id="rId37"/>
+    <p:sldId id="364" r:id="rId38"/>
+    <p:sldId id="393" r:id="rId39"/>
+    <p:sldId id="394" r:id="rId40"/>
+    <p:sldId id="314" r:id="rId41"/>
+    <p:sldId id="339" r:id="rId42"/>
+    <p:sldId id="379" r:id="rId43"/>
+    <p:sldId id="369" r:id="rId44"/>
+    <p:sldId id="365" r:id="rId45"/>
+    <p:sldId id="367" r:id="rId46"/>
+    <p:sldId id="366" r:id="rId47"/>
+    <p:sldId id="345" r:id="rId48"/>
+    <p:sldId id="381" r:id="rId49"/>
+    <p:sldId id="346" r:id="rId50"/>
+    <p:sldId id="354" r:id="rId51"/>
+    <p:sldId id="392" r:id="rId52"/>
+    <p:sldId id="371" r:id="rId53"/>
+    <p:sldId id="385" r:id="rId54"/>
+    <p:sldId id="386" r:id="rId55"/>
+    <p:sldId id="387" r:id="rId56"/>
+    <p:sldId id="370" r:id="rId57"/>
   </p:sldIdLst>
   <p:sldSz cx="9906000" cy="6858000" type="A4"/>
   <p:notesSz cx="6858000" cy="9144000"/>
@@ -262,7 +263,7 @@
           <a:p>
             <a:fld id="{7665CDAC-D627-4E87-877A-1B781DD4CADC}" type="datetimeFigureOut">
               <a:rPr lang="ko-KR" altLang="en-US" smtClean="0"/>
-              <a:t>2023-04-08</a:t>
+              <a:t>2023-05-12</a:t>
             </a:fld>
             <a:endParaRPr lang="ko-KR" altLang="en-US"/>
           </a:p>
@@ -674,7 +675,7 @@
           <a:p>
             <a:fld id="{C25BCFD5-C4DF-4EBC-B718-C69ED2FBDE6F}" type="datetime1">
               <a:rPr lang="ko-KR" altLang="en-US" smtClean="0"/>
-              <a:t>2023-04-08</a:t>
+              <a:t>2023-05-12</a:t>
             </a:fld>
             <a:endParaRPr lang="ko-KR" altLang="en-US"/>
           </a:p>
@@ -1125,7 +1126,7 @@
           <a:p>
             <a:fld id="{AB448CD7-D367-43D5-B461-ACE552E75063}" type="datetime1">
               <a:rPr lang="ko-KR" altLang="en-US" smtClean="0"/>
-              <a:t>2023-04-08</a:t>
+              <a:t>2023-05-12</a:t>
             </a:fld>
             <a:endParaRPr lang="ko-KR" altLang="en-US"/>
           </a:p>
@@ -1303,7 +1304,7 @@
           <a:p>
             <a:fld id="{B6E49E79-7361-4780-8BEF-7EDE3708298A}" type="datetime1">
               <a:rPr lang="ko-KR" altLang="en-US" smtClean="0"/>
-              <a:t>2023-04-08</a:t>
+              <a:t>2023-05-12</a:t>
             </a:fld>
             <a:endParaRPr lang="ko-KR" altLang="en-US"/>
           </a:p>
@@ -1475,7 +1476,7 @@
           <a:p>
             <a:fld id="{A4D42E3C-B70B-437C-85CF-1286301B9CBA}" type="datetime1">
               <a:rPr lang="ko-KR" altLang="en-US" smtClean="0"/>
-              <a:t>2023-04-08</a:t>
+              <a:t>2023-05-12</a:t>
             </a:fld>
             <a:endParaRPr lang="ko-KR" altLang="en-US"/>
           </a:p>
@@ -1727,7 +1728,7 @@
           <a:p>
             <a:fld id="{B3369A20-5B3D-4D98-A822-26B93D177A40}" type="datetime1">
               <a:rPr lang="ko-KR" altLang="en-US" smtClean="0"/>
-              <a:t>2023-04-08</a:t>
+              <a:t>2023-05-12</a:t>
             </a:fld>
             <a:endParaRPr lang="ko-KR" altLang="en-US"/>
           </a:p>
@@ -2012,7 +2013,7 @@
           <a:p>
             <a:fld id="{685CD4CE-9E43-4F70-A9D8-A2130CA7D92A}" type="datetime1">
               <a:rPr lang="ko-KR" altLang="en-US" smtClean="0"/>
-              <a:t>2023-04-08</a:t>
+              <a:t>2023-05-12</a:t>
             </a:fld>
             <a:endParaRPr lang="ko-KR" altLang="en-US"/>
           </a:p>
@@ -2438,7 +2439,7 @@
           <a:p>
             <a:fld id="{F752BD92-DA3E-4A0B-90C9-7DE5E15B6E96}" type="datetime1">
               <a:rPr lang="ko-KR" altLang="en-US" smtClean="0"/>
-              <a:t>2023-04-08</a:t>
+              <a:t>2023-05-12</a:t>
             </a:fld>
             <a:endParaRPr lang="ko-KR" altLang="en-US"/>
           </a:p>
@@ -2562,7 +2563,7 @@
           <a:p>
             <a:fld id="{8EA2B83A-F366-424E-B742-340ACF856BB5}" type="datetime1">
               <a:rPr lang="ko-KR" altLang="en-US" smtClean="0"/>
-              <a:t>2023-04-08</a:t>
+              <a:t>2023-05-12</a:t>
             </a:fld>
             <a:endParaRPr lang="ko-KR" altLang="en-US"/>
           </a:p>
@@ -2657,7 +2658,7 @@
           <a:p>
             <a:fld id="{9A49D68B-5DBD-48E9-A8D4-FCBC4B3DD9C6}" type="datetime1">
               <a:rPr lang="ko-KR" altLang="en-US" smtClean="0"/>
-              <a:t>2023-04-08</a:t>
+              <a:t>2023-05-12</a:t>
             </a:fld>
             <a:endParaRPr lang="ko-KR" altLang="en-US"/>
           </a:p>
@@ -2932,7 +2933,7 @@
           <a:p>
             <a:fld id="{4CAB534F-7D16-467B-9320-91F98915D181}" type="datetime1">
               <a:rPr lang="ko-KR" altLang="en-US" smtClean="0"/>
-              <a:t>2023-04-08</a:t>
+              <a:t>2023-05-12</a:t>
             </a:fld>
             <a:endParaRPr lang="ko-KR" altLang="en-US"/>
           </a:p>
@@ -3184,7 +3185,7 @@
           <a:p>
             <a:fld id="{A390A91F-2F8D-4486-A69D-D680F95444B0}" type="datetime1">
               <a:rPr lang="ko-KR" altLang="en-US" smtClean="0"/>
-              <a:t>2023-04-08</a:t>
+              <a:t>2023-05-12</a:t>
             </a:fld>
             <a:endParaRPr lang="ko-KR" altLang="en-US"/>
           </a:p>
@@ -3363,7 +3364,7 @@
           <a:p>
             <a:fld id="{2238BBEA-E8DD-414A-BF68-FC2AFA7CFF2D}" type="datetime1">
               <a:rPr lang="ko-KR" altLang="en-US" smtClean="0"/>
-              <a:t>2023-04-08</a:t>
+              <a:t>2023-05-12</a:t>
             </a:fld>
             <a:endParaRPr lang="ko-KR" altLang="en-US"/>
           </a:p>
@@ -6425,17 +6426,16 @@
             </a:r>
             <a:r>
               <a:rPr lang="en-US" altLang="ko-KR" dirty="0" smtClean="0"/>
-              <a:t>(list)</a:t>
+              <a:t>(list) </a:t>
             </a:r>
             <a:r>
               <a:rPr lang="ko-KR" altLang="en-US" dirty="0" smtClean="0"/>
-              <a:t>의 정렬</a:t>
-            </a:r>
-            <a:r>
-              <a:rPr lang="en-US" altLang="ko-KR" dirty="0" smtClean="0"/>
-              <a:t> </a:t>
-            </a:r>
-            <a:endParaRPr lang="ko-KR" altLang="en-US" dirty="0"/>
+              <a:t>복</a:t>
+            </a:r>
+            <a:r>
+              <a:rPr lang="ko-KR" altLang="en-US" dirty="0"/>
+              <a:t>사</a:t>
+            </a:r>
           </a:p>
         </p:txBody>
       </p:sp>
@@ -6457,322 +6457,6 @@
             <a:fld id="{1BDE3FE7-3AEA-4B05-AC5A-802D1816ACF0}" type="slidenum">
               <a:rPr lang="ko-KR" altLang="en-US" smtClean="0"/>
               <a:t>16</a:t>
-            </a:fld>
-            <a:endParaRPr lang="ko-KR" altLang="en-US"/>
-          </a:p>
-        </p:txBody>
-      </p:sp>
-      <p:sp>
-        <p:nvSpPr>
-          <p:cNvPr id="26" name="TextBox 25"/>
-          <p:cNvSpPr txBox="1"/>
-          <p:nvPr/>
-        </p:nvSpPr>
-        <p:spPr>
-          <a:xfrm>
-            <a:off x="1024245" y="1196752"/>
-            <a:ext cx="5512931" cy="507831"/>
-          </a:xfrm>
-          <a:prstGeom prst="rect">
-            <a:avLst/>
-          </a:prstGeom>
-          <a:ln>
-            <a:noFill/>
-          </a:ln>
-        </p:spPr>
-        <p:style>
-          <a:lnRef idx="2">
-            <a:schemeClr val="dk1"/>
-          </a:lnRef>
-          <a:fillRef idx="1">
-            <a:schemeClr val="lt1"/>
-          </a:fillRef>
-          <a:effectRef idx="0">
-            <a:schemeClr val="dk1"/>
-          </a:effectRef>
-          <a:fontRef idx="minor">
-            <a:schemeClr val="dk1"/>
-          </a:fontRef>
-        </p:style>
-        <p:txBody>
-          <a:bodyPr wrap="square" rtlCol="0">
-            <a:spAutoFit/>
-          </a:bodyPr>
-          <a:lstStyle/>
-          <a:p>
-            <a:pPr marL="285750" indent="-285750">
-              <a:lnSpc>
-                <a:spcPct val="150000"/>
-              </a:lnSpc>
-              <a:buFont typeface="Wingdings" panose="05000000000000000000" pitchFamily="2" charset="2"/>
-              <a:buChar char="u"/>
-            </a:pPr>
-            <a:r>
-              <a:rPr lang="ko-KR" altLang="en-US" dirty="0" smtClean="0">
-                <a:latin typeface="휴먼엑스포" panose="02030504000101010101" pitchFamily="18" charset="-127"/>
-                <a:ea typeface="휴먼엑스포" panose="02030504000101010101" pitchFamily="18" charset="-127"/>
-              </a:rPr>
-              <a:t>리스트의 정렬 </a:t>
-            </a:r>
-            <a:r>
-              <a:rPr lang="en-US" altLang="ko-KR" dirty="0" smtClean="0">
-                <a:latin typeface="휴먼엑스포" panose="02030504000101010101" pitchFamily="18" charset="-127"/>
-                <a:ea typeface="휴먼엑스포" panose="02030504000101010101" pitchFamily="18" charset="-127"/>
-              </a:rPr>
-              <a:t>– </a:t>
-            </a:r>
-            <a:r>
-              <a:rPr lang="ko-KR" altLang="en-US" dirty="0" smtClean="0">
-                <a:latin typeface="휴먼엑스포" panose="02030504000101010101" pitchFamily="18" charset="-127"/>
-                <a:ea typeface="휴먼엑스포" panose="02030504000101010101" pitchFamily="18" charset="-127"/>
-              </a:rPr>
-              <a:t>오름차순</a:t>
-            </a:r>
-            <a:r>
-              <a:rPr lang="en-US" altLang="ko-KR" dirty="0" smtClean="0">
-                <a:latin typeface="휴먼엑스포" panose="02030504000101010101" pitchFamily="18" charset="-127"/>
-                <a:ea typeface="휴먼엑스포" panose="02030504000101010101" pitchFamily="18" charset="-127"/>
-              </a:rPr>
-              <a:t>, </a:t>
-            </a:r>
-            <a:r>
-              <a:rPr lang="ko-KR" altLang="en-US" dirty="0" smtClean="0">
-                <a:latin typeface="휴먼엑스포" panose="02030504000101010101" pitchFamily="18" charset="-127"/>
-                <a:ea typeface="휴먼엑스포" panose="02030504000101010101" pitchFamily="18" charset="-127"/>
-              </a:rPr>
-              <a:t>내림차순 정렬</a:t>
-            </a:r>
-            <a:endParaRPr lang="en-US" altLang="ko-KR" dirty="0" smtClean="0">
-              <a:latin typeface="휴먼엑스포" panose="02030504000101010101" pitchFamily="18" charset="-127"/>
-              <a:ea typeface="휴먼엑스포" panose="02030504000101010101" pitchFamily="18" charset="-127"/>
-            </a:endParaRPr>
-          </a:p>
-        </p:txBody>
-      </p:sp>
-      <p:pic>
-        <p:nvPicPr>
-          <p:cNvPr id="3" name="그림 2"/>
-          <p:cNvPicPr>
-            <a:picLocks noChangeAspect="1"/>
-          </p:cNvPicPr>
-          <p:nvPr/>
-        </p:nvPicPr>
-        <p:blipFill>
-          <a:blip r:embed="rId2">
-            <a:extLst>
-              <a:ext uri="{28A0092B-C50C-407E-A947-70E740481C1C}">
-                <a14:useLocalDpi xmlns:a14="http://schemas.microsoft.com/office/drawing/2010/main" val="0"/>
-              </a:ext>
-            </a:extLst>
-          </a:blip>
-          <a:stretch>
-            <a:fillRect/>
-          </a:stretch>
-        </p:blipFill>
-        <p:spPr>
-          <a:xfrm>
-            <a:off x="1496616" y="1772816"/>
-            <a:ext cx="4990898" cy="4824536"/>
-          </a:xfrm>
-          <a:prstGeom prst="rect">
-            <a:avLst/>
-          </a:prstGeom>
-          <a:ln>
-            <a:solidFill>
-              <a:schemeClr val="bg1">
-                <a:lumMod val="85000"/>
-              </a:schemeClr>
-            </a:solidFill>
-          </a:ln>
-        </p:spPr>
-      </p:pic>
-      <p:pic>
-        <p:nvPicPr>
-          <p:cNvPr id="5" name="그림 4"/>
-          <p:cNvPicPr>
-            <a:picLocks noChangeAspect="1"/>
-          </p:cNvPicPr>
-          <p:nvPr/>
-        </p:nvPicPr>
-        <p:blipFill>
-          <a:blip r:embed="rId3">
-            <a:extLst>
-              <a:ext uri="{28A0092B-C50C-407E-A947-70E740481C1C}">
-                <a14:useLocalDpi xmlns:a14="http://schemas.microsoft.com/office/drawing/2010/main" val="0"/>
-              </a:ext>
-            </a:extLst>
-          </a:blip>
-          <a:stretch>
-            <a:fillRect/>
-          </a:stretch>
-        </p:blipFill>
-        <p:spPr>
-          <a:xfrm>
-            <a:off x="6897216" y="2328422"/>
-            <a:ext cx="1783235" cy="1722269"/>
-          </a:xfrm>
-          <a:prstGeom prst="rect">
-            <a:avLst/>
-          </a:prstGeom>
-          <a:ln>
-            <a:solidFill>
-              <a:schemeClr val="bg1">
-                <a:lumMod val="85000"/>
-              </a:schemeClr>
-            </a:solidFill>
-          </a:ln>
-        </p:spPr>
-      </p:pic>
-      <p:sp>
-        <p:nvSpPr>
-          <p:cNvPr id="8" name="모서리가 둥근 직사각형 7"/>
-          <p:cNvSpPr/>
-          <p:nvPr/>
-        </p:nvSpPr>
-        <p:spPr>
-          <a:xfrm>
-            <a:off x="6892551" y="1728597"/>
-            <a:ext cx="1786082" cy="360040"/>
-          </a:xfrm>
-          <a:prstGeom prst="roundRect">
-            <a:avLst/>
-          </a:prstGeom>
-          <a:noFill/>
-          <a:ln w="12700">
-            <a:solidFill>
-              <a:srgbClr val="7030A0"/>
-            </a:solidFill>
-          </a:ln>
-        </p:spPr>
-        <p:style>
-          <a:lnRef idx="2">
-            <a:schemeClr val="accent1">
-              <a:shade val="50000"/>
-            </a:schemeClr>
-          </a:lnRef>
-          <a:fillRef idx="1">
-            <a:schemeClr val="accent1"/>
-          </a:fillRef>
-          <a:effectRef idx="0">
-            <a:schemeClr val="accent1"/>
-          </a:effectRef>
-          <a:fontRef idx="minor">
-            <a:schemeClr val="lt1"/>
-          </a:fontRef>
-        </p:style>
-        <p:txBody>
-          <a:bodyPr rtlCol="0" anchor="ctr"/>
-          <a:lstStyle/>
-          <a:p>
-            <a:r>
-              <a:rPr lang="ko-KR" altLang="en-US" sz="1600" dirty="0" smtClean="0">
-                <a:solidFill>
-                  <a:sysClr val="windowText" lastClr="000000"/>
-                </a:solidFill>
-              </a:rPr>
-              <a:t>두 수의 교환</a:t>
-            </a:r>
-            <a:endParaRPr lang="ko-KR" altLang="en-US" sz="1600" dirty="0">
-              <a:solidFill>
-                <a:sysClr val="windowText" lastClr="000000"/>
-              </a:solidFill>
-            </a:endParaRPr>
-          </a:p>
-        </p:txBody>
-      </p:sp>
-    </p:spTree>
-    <p:extLst>
-      <p:ext uri="{BB962C8B-B14F-4D97-AF65-F5344CB8AC3E}">
-        <p14:creationId xmlns:p14="http://schemas.microsoft.com/office/powerpoint/2010/main" val="3067352670"/>
-      </p:ext>
-    </p:extLst>
-  </p:cSld>
-  <p:clrMapOvr>
-    <a:masterClrMapping/>
-  </p:clrMapOvr>
-  <p:timing>
-    <p:tnLst>
-      <p:par>
-        <p:cTn id="1" dur="indefinite" restart="never" nodeType="tmRoot"/>
-      </p:par>
-    </p:tnLst>
-  </p:timing>
-</p:sld>
-</file>
-
-<file path=ppt/slides/slide17.xml><?xml version="1.0" encoding="utf-8"?>
-<p:sld xmlns:a="http://schemas.openxmlformats.org/drawingml/2006/main" xmlns:r="http://schemas.openxmlformats.org/officeDocument/2006/relationships" xmlns:p="http://schemas.openxmlformats.org/presentationml/2006/main">
-  <p:cSld>
-    <p:spTree>
-      <p:nvGrpSpPr>
-        <p:cNvPr id="1" name=""/>
-        <p:cNvGrpSpPr/>
-        <p:nvPr/>
-      </p:nvGrpSpPr>
-      <p:grpSpPr>
-        <a:xfrm>
-          <a:off x="0" y="0"/>
-          <a:ext cx="0" cy="0"/>
-          <a:chOff x="0" y="0"/>
-          <a:chExt cx="0" cy="0"/>
-        </a:xfrm>
-      </p:grpSpPr>
-      <p:sp>
-        <p:nvSpPr>
-          <p:cNvPr id="2" name="제목 1"/>
-          <p:cNvSpPr>
-            <a:spLocks noGrp="1"/>
-          </p:cNvSpPr>
-          <p:nvPr>
-            <p:ph type="title"/>
-          </p:nvPr>
-        </p:nvSpPr>
-        <p:spPr/>
-        <p:txBody>
-          <a:bodyPr/>
-          <a:lstStyle/>
-          <a:p>
-            <a:r>
-              <a:rPr lang="en-US" altLang="ko-KR" dirty="0"/>
-              <a:t> </a:t>
-            </a:r>
-            <a:r>
-              <a:rPr lang="ko-KR" altLang="en-US" dirty="0" smtClean="0"/>
-              <a:t>리스트</a:t>
-            </a:r>
-            <a:r>
-              <a:rPr lang="en-US" altLang="ko-KR" dirty="0" smtClean="0"/>
-              <a:t>(list) </a:t>
-            </a:r>
-            <a:r>
-              <a:rPr lang="ko-KR" altLang="en-US" dirty="0" smtClean="0"/>
-              <a:t>복</a:t>
-            </a:r>
-            <a:r>
-              <a:rPr lang="ko-KR" altLang="en-US" dirty="0"/>
-              <a:t>사</a:t>
-            </a:r>
-          </a:p>
-        </p:txBody>
-      </p:sp>
-      <p:sp>
-        <p:nvSpPr>
-          <p:cNvPr id="4" name="슬라이드 번호 개체 틀 3"/>
-          <p:cNvSpPr>
-            <a:spLocks noGrp="1"/>
-          </p:cNvSpPr>
-          <p:nvPr>
-            <p:ph type="sldNum" sz="quarter" idx="12"/>
-          </p:nvPr>
-        </p:nvSpPr>
-        <p:spPr/>
-        <p:txBody>
-          <a:bodyPr/>
-          <a:lstStyle/>
-          <a:p>
-            <a:fld id="{1BDE3FE7-3AEA-4B05-AC5A-802D1816ACF0}" type="slidenum">
-              <a:rPr lang="ko-KR" altLang="en-US" smtClean="0"/>
-              <a:t>17</a:t>
             </a:fld>
             <a:endParaRPr lang="ko-KR" altLang="en-US"/>
           </a:p>
@@ -6928,7 +6612,7 @@
 </p:sld>
 </file>
 
-<file path=ppt/slides/slide18.xml><?xml version="1.0" encoding="utf-8"?>
+<file path=ppt/slides/slide17.xml><?xml version="1.0" encoding="utf-8"?>
 <p:sld xmlns:a="http://schemas.openxmlformats.org/drawingml/2006/main" xmlns:r="http://schemas.openxmlformats.org/officeDocument/2006/relationships" xmlns:p="http://schemas.openxmlformats.org/presentationml/2006/main">
   <p:cSld>
     <p:spTree>
@@ -6997,7 +6681,7 @@
           <a:p>
             <a:fld id="{1BDE3FE7-3AEA-4B05-AC5A-802D1816ACF0}" type="slidenum">
               <a:rPr lang="ko-KR" altLang="en-US" smtClean="0"/>
-              <a:t>18</a:t>
+              <a:t>17</a:t>
             </a:fld>
             <a:endParaRPr lang="ko-KR" altLang="en-US"/>
           </a:p>
@@ -7285,6 +6969,323 @@
 </p:sld>
 </file>
 
+<file path=ppt/slides/slide18.xml><?xml version="1.0" encoding="utf-8"?>
+<p:sld xmlns:a="http://schemas.openxmlformats.org/drawingml/2006/main" xmlns:r="http://schemas.openxmlformats.org/officeDocument/2006/relationships" xmlns:p="http://schemas.openxmlformats.org/presentationml/2006/main">
+  <p:cSld>
+    <p:spTree>
+      <p:nvGrpSpPr>
+        <p:cNvPr id="1" name=""/>
+        <p:cNvGrpSpPr/>
+        <p:nvPr/>
+      </p:nvGrpSpPr>
+      <p:grpSpPr>
+        <a:xfrm>
+          <a:off x="0" y="0"/>
+          <a:ext cx="0" cy="0"/>
+          <a:chOff x="0" y="0"/>
+          <a:chExt cx="0" cy="0"/>
+        </a:xfrm>
+      </p:grpSpPr>
+      <p:sp>
+        <p:nvSpPr>
+          <p:cNvPr id="2" name="제목 1"/>
+          <p:cNvSpPr>
+            <a:spLocks noGrp="1"/>
+          </p:cNvSpPr>
+          <p:nvPr>
+            <p:ph type="title"/>
+          </p:nvPr>
+        </p:nvSpPr>
+        <p:spPr/>
+        <p:txBody>
+          <a:bodyPr/>
+          <a:lstStyle/>
+          <a:p>
+            <a:r>
+              <a:rPr lang="en-US" altLang="ko-KR" dirty="0"/>
+              <a:t> </a:t>
+            </a:r>
+            <a:r>
+              <a:rPr lang="ko-KR" altLang="en-US" dirty="0" smtClean="0"/>
+              <a:t>리스트</a:t>
+            </a:r>
+            <a:r>
+              <a:rPr lang="en-US" altLang="ko-KR" dirty="0" smtClean="0"/>
+              <a:t>(list)</a:t>
+            </a:r>
+            <a:r>
+              <a:rPr lang="ko-KR" altLang="en-US" dirty="0" smtClean="0"/>
+              <a:t>의 정렬</a:t>
+            </a:r>
+            <a:r>
+              <a:rPr lang="en-US" altLang="ko-KR" dirty="0" smtClean="0"/>
+              <a:t> </a:t>
+            </a:r>
+            <a:endParaRPr lang="ko-KR" altLang="en-US" dirty="0"/>
+          </a:p>
+        </p:txBody>
+      </p:sp>
+      <p:sp>
+        <p:nvSpPr>
+          <p:cNvPr id="4" name="슬라이드 번호 개체 틀 3"/>
+          <p:cNvSpPr>
+            <a:spLocks noGrp="1"/>
+          </p:cNvSpPr>
+          <p:nvPr>
+            <p:ph type="sldNum" sz="quarter" idx="12"/>
+          </p:nvPr>
+        </p:nvSpPr>
+        <p:spPr/>
+        <p:txBody>
+          <a:bodyPr/>
+          <a:lstStyle/>
+          <a:p>
+            <a:fld id="{1BDE3FE7-3AEA-4B05-AC5A-802D1816ACF0}" type="slidenum">
+              <a:rPr lang="ko-KR" altLang="en-US" smtClean="0"/>
+              <a:t>18</a:t>
+            </a:fld>
+            <a:endParaRPr lang="ko-KR" altLang="en-US"/>
+          </a:p>
+        </p:txBody>
+      </p:sp>
+      <p:sp>
+        <p:nvSpPr>
+          <p:cNvPr id="26" name="TextBox 25"/>
+          <p:cNvSpPr txBox="1"/>
+          <p:nvPr/>
+        </p:nvSpPr>
+        <p:spPr>
+          <a:xfrm>
+            <a:off x="1024245" y="1196752"/>
+            <a:ext cx="5512931" cy="507831"/>
+          </a:xfrm>
+          <a:prstGeom prst="rect">
+            <a:avLst/>
+          </a:prstGeom>
+          <a:ln>
+            <a:noFill/>
+          </a:ln>
+        </p:spPr>
+        <p:style>
+          <a:lnRef idx="2">
+            <a:schemeClr val="dk1"/>
+          </a:lnRef>
+          <a:fillRef idx="1">
+            <a:schemeClr val="lt1"/>
+          </a:fillRef>
+          <a:effectRef idx="0">
+            <a:schemeClr val="dk1"/>
+          </a:effectRef>
+          <a:fontRef idx="minor">
+            <a:schemeClr val="dk1"/>
+          </a:fontRef>
+        </p:style>
+        <p:txBody>
+          <a:bodyPr wrap="square" rtlCol="0">
+            <a:spAutoFit/>
+          </a:bodyPr>
+          <a:lstStyle/>
+          <a:p>
+            <a:pPr marL="285750" indent="-285750">
+              <a:lnSpc>
+                <a:spcPct val="150000"/>
+              </a:lnSpc>
+              <a:buFont typeface="Wingdings" panose="05000000000000000000" pitchFamily="2" charset="2"/>
+              <a:buChar char="u"/>
+            </a:pPr>
+            <a:r>
+              <a:rPr lang="ko-KR" altLang="en-US" dirty="0" smtClean="0">
+                <a:latin typeface="휴먼엑스포" panose="02030504000101010101" pitchFamily="18" charset="-127"/>
+                <a:ea typeface="휴먼엑스포" panose="02030504000101010101" pitchFamily="18" charset="-127"/>
+              </a:rPr>
+              <a:t>리스트의 정렬 </a:t>
+            </a:r>
+            <a:r>
+              <a:rPr lang="en-US" altLang="ko-KR" dirty="0" smtClean="0">
+                <a:latin typeface="휴먼엑스포" panose="02030504000101010101" pitchFamily="18" charset="-127"/>
+                <a:ea typeface="휴먼엑스포" panose="02030504000101010101" pitchFamily="18" charset="-127"/>
+              </a:rPr>
+              <a:t>– </a:t>
+            </a:r>
+            <a:r>
+              <a:rPr lang="ko-KR" altLang="en-US" dirty="0" smtClean="0">
+                <a:latin typeface="휴먼엑스포" panose="02030504000101010101" pitchFamily="18" charset="-127"/>
+                <a:ea typeface="휴먼엑스포" panose="02030504000101010101" pitchFamily="18" charset="-127"/>
+              </a:rPr>
+              <a:t>오름차순</a:t>
+            </a:r>
+            <a:r>
+              <a:rPr lang="en-US" altLang="ko-KR" dirty="0" smtClean="0">
+                <a:latin typeface="휴먼엑스포" panose="02030504000101010101" pitchFamily="18" charset="-127"/>
+                <a:ea typeface="휴먼엑스포" panose="02030504000101010101" pitchFamily="18" charset="-127"/>
+              </a:rPr>
+              <a:t>, </a:t>
+            </a:r>
+            <a:r>
+              <a:rPr lang="ko-KR" altLang="en-US" dirty="0" smtClean="0">
+                <a:latin typeface="휴먼엑스포" panose="02030504000101010101" pitchFamily="18" charset="-127"/>
+                <a:ea typeface="휴먼엑스포" panose="02030504000101010101" pitchFamily="18" charset="-127"/>
+              </a:rPr>
+              <a:t>내림차순 정렬</a:t>
+            </a:r>
+            <a:endParaRPr lang="en-US" altLang="ko-KR" dirty="0" smtClean="0">
+              <a:latin typeface="휴먼엑스포" panose="02030504000101010101" pitchFamily="18" charset="-127"/>
+              <a:ea typeface="휴먼엑스포" panose="02030504000101010101" pitchFamily="18" charset="-127"/>
+            </a:endParaRPr>
+          </a:p>
+        </p:txBody>
+      </p:sp>
+      <p:pic>
+        <p:nvPicPr>
+          <p:cNvPr id="5" name="그림 4"/>
+          <p:cNvPicPr>
+            <a:picLocks noChangeAspect="1"/>
+          </p:cNvPicPr>
+          <p:nvPr/>
+        </p:nvPicPr>
+        <p:blipFill>
+          <a:blip r:embed="rId2">
+            <a:extLst>
+              <a:ext uri="{28A0092B-C50C-407E-A947-70E740481C1C}">
+                <a14:useLocalDpi xmlns:a14="http://schemas.microsoft.com/office/drawing/2010/main" val="0"/>
+              </a:ext>
+            </a:extLst>
+          </a:blip>
+          <a:stretch>
+            <a:fillRect/>
+          </a:stretch>
+        </p:blipFill>
+        <p:spPr>
+          <a:xfrm>
+            <a:off x="5648800" y="2670815"/>
+            <a:ext cx="1783235" cy="1722269"/>
+          </a:xfrm>
+          <a:prstGeom prst="rect">
+            <a:avLst/>
+          </a:prstGeom>
+          <a:ln>
+            <a:solidFill>
+              <a:schemeClr val="bg1">
+                <a:lumMod val="85000"/>
+              </a:schemeClr>
+            </a:solidFill>
+          </a:ln>
+        </p:spPr>
+      </p:pic>
+      <p:sp>
+        <p:nvSpPr>
+          <p:cNvPr id="8" name="모서리가 둥근 직사각형 7"/>
+          <p:cNvSpPr/>
+          <p:nvPr/>
+        </p:nvSpPr>
+        <p:spPr>
+          <a:xfrm>
+            <a:off x="5644135" y="2070990"/>
+            <a:ext cx="1786082" cy="360040"/>
+          </a:xfrm>
+          <a:prstGeom prst="roundRect">
+            <a:avLst/>
+          </a:prstGeom>
+          <a:noFill/>
+          <a:ln w="12700">
+            <a:solidFill>
+              <a:srgbClr val="7030A0"/>
+            </a:solidFill>
+          </a:ln>
+        </p:spPr>
+        <p:style>
+          <a:lnRef idx="2">
+            <a:schemeClr val="accent1">
+              <a:shade val="50000"/>
+            </a:schemeClr>
+          </a:lnRef>
+          <a:fillRef idx="1">
+            <a:schemeClr val="accent1"/>
+          </a:fillRef>
+          <a:effectRef idx="0">
+            <a:schemeClr val="accent1"/>
+          </a:effectRef>
+          <a:fontRef idx="minor">
+            <a:schemeClr val="lt1"/>
+          </a:fontRef>
+        </p:style>
+        <p:txBody>
+          <a:bodyPr rtlCol="0" anchor="ctr"/>
+          <a:lstStyle/>
+          <a:p>
+            <a:r>
+              <a:rPr lang="ko-KR" altLang="en-US" sz="1600" dirty="0" smtClean="0">
+                <a:solidFill>
+                  <a:sysClr val="windowText" lastClr="000000"/>
+                </a:solidFill>
+              </a:rPr>
+              <a:t>두 수의 교환</a:t>
+            </a:r>
+            <a:endParaRPr lang="ko-KR" altLang="en-US" sz="1600" dirty="0">
+              <a:solidFill>
+                <a:sysClr val="windowText" lastClr="000000"/>
+              </a:solidFill>
+            </a:endParaRPr>
+          </a:p>
+        </p:txBody>
+      </p:sp>
+      <p:pic>
+        <p:nvPicPr>
+          <p:cNvPr id="6" name="그림 5"/>
+          <p:cNvPicPr>
+            <a:picLocks noChangeAspect="1"/>
+          </p:cNvPicPr>
+          <p:nvPr/>
+        </p:nvPicPr>
+        <p:blipFill>
+          <a:blip r:embed="rId3">
+            <a:extLst>
+              <a:ext uri="{28A0092B-C50C-407E-A947-70E740481C1C}">
+                <a14:useLocalDpi xmlns:a14="http://schemas.microsoft.com/office/drawing/2010/main" val="0"/>
+              </a:ext>
+            </a:extLst>
+          </a:blip>
+          <a:stretch>
+            <a:fillRect/>
+          </a:stretch>
+        </p:blipFill>
+        <p:spPr>
+          <a:xfrm>
+            <a:off x="1424608" y="2105676"/>
+            <a:ext cx="3718882" cy="2232853"/>
+          </a:xfrm>
+          <a:prstGeom prst="rect">
+            <a:avLst/>
+          </a:prstGeom>
+          <a:ln>
+            <a:solidFill>
+              <a:schemeClr val="bg1">
+                <a:lumMod val="85000"/>
+              </a:schemeClr>
+            </a:solidFill>
+          </a:ln>
+        </p:spPr>
+      </p:pic>
+    </p:spTree>
+    <p:extLst>
+      <p:ext uri="{BB962C8B-B14F-4D97-AF65-F5344CB8AC3E}">
+        <p14:creationId xmlns:p14="http://schemas.microsoft.com/office/powerpoint/2010/main" val="1576860468"/>
+      </p:ext>
+    </p:extLst>
+  </p:cSld>
+  <p:clrMapOvr>
+    <a:masterClrMapping/>
+  </p:clrMapOvr>
+  <p:timing>
+    <p:tnLst>
+      <p:par>
+        <p:cTn id="1" dur="indefinite" restart="never" nodeType="tmRoot"/>
+      </p:par>
+    </p:tnLst>
+  </p:timing>
+</p:sld>
+</file>
+
 <file path=ppt/slides/slide19.xml><?xml version="1.0" encoding="utf-8"?>
 <p:sld xmlns:a="http://schemas.openxmlformats.org/drawingml/2006/main" xmlns:r="http://schemas.openxmlformats.org/officeDocument/2006/relationships" xmlns:p="http://schemas.openxmlformats.org/presentationml/2006/main">
   <p:cSld>
@@ -7323,15 +7324,19 @@
             </a:r>
             <a:r>
               <a:rPr lang="ko-KR" altLang="en-US" dirty="0" smtClean="0"/>
-              <a:t>문자열 응용 </a:t>
+              <a:t>리스트</a:t>
             </a:r>
             <a:r>
               <a:rPr lang="en-US" altLang="ko-KR" dirty="0" smtClean="0"/>
-              <a:t>– if</a:t>
+              <a:t>(list)</a:t>
             </a:r>
             <a:r>
               <a:rPr lang="ko-KR" altLang="en-US" dirty="0" smtClean="0"/>
-              <a:t>문</a:t>
+              <a:t>의 정렬</a:t>
+            </a:r>
+            <a:r>
+              <a:rPr lang="en-US" altLang="ko-KR" dirty="0" smtClean="0"/>
+              <a:t> </a:t>
             </a:r>
             <a:endParaRPr lang="ko-KR" altLang="en-US" dirty="0"/>
           </a:p>
@@ -7355,6 +7360,612 @@
             <a:fld id="{1BDE3FE7-3AEA-4B05-AC5A-802D1816ACF0}" type="slidenum">
               <a:rPr lang="ko-KR" altLang="en-US" smtClean="0"/>
               <a:t>19</a:t>
+            </a:fld>
+            <a:endParaRPr lang="ko-KR" altLang="en-US"/>
+          </a:p>
+        </p:txBody>
+      </p:sp>
+      <p:pic>
+        <p:nvPicPr>
+          <p:cNvPr id="7" name="그림 6"/>
+          <p:cNvPicPr>
+            <a:picLocks noChangeAspect="1"/>
+          </p:cNvPicPr>
+          <p:nvPr/>
+        </p:nvPicPr>
+        <p:blipFill>
+          <a:blip r:embed="rId2">
+            <a:extLst>
+              <a:ext uri="{28A0092B-C50C-407E-A947-70E740481C1C}">
+                <a14:useLocalDpi xmlns:a14="http://schemas.microsoft.com/office/drawing/2010/main" val="0"/>
+              </a:ext>
+            </a:extLst>
+          </a:blip>
+          <a:stretch>
+            <a:fillRect/>
+          </a:stretch>
+        </p:blipFill>
+        <p:spPr>
+          <a:xfrm>
+            <a:off x="1856656" y="1196752"/>
+            <a:ext cx="4519595" cy="5375246"/>
+          </a:xfrm>
+          <a:prstGeom prst="rect">
+            <a:avLst/>
+          </a:prstGeom>
+          <a:ln>
+            <a:solidFill>
+              <a:schemeClr val="bg1">
+                <a:lumMod val="85000"/>
+              </a:schemeClr>
+            </a:solidFill>
+          </a:ln>
+        </p:spPr>
+      </p:pic>
+    </p:spTree>
+    <p:extLst>
+      <p:ext uri="{BB962C8B-B14F-4D97-AF65-F5344CB8AC3E}">
+        <p14:creationId xmlns:p14="http://schemas.microsoft.com/office/powerpoint/2010/main" val="3378262577"/>
+      </p:ext>
+    </p:extLst>
+  </p:cSld>
+  <p:clrMapOvr>
+    <a:masterClrMapping/>
+  </p:clrMapOvr>
+  <p:timing>
+    <p:tnLst>
+      <p:par>
+        <p:cTn id="1" dur="indefinite" restart="never" nodeType="tmRoot"/>
+      </p:par>
+    </p:tnLst>
+  </p:timing>
+</p:sld>
+</file>
+
+<file path=ppt/slides/slide2.xml><?xml version="1.0" encoding="utf-8"?>
+<p:sld xmlns:a="http://schemas.openxmlformats.org/drawingml/2006/main" xmlns:r="http://schemas.openxmlformats.org/officeDocument/2006/relationships" xmlns:p="http://schemas.openxmlformats.org/presentationml/2006/main">
+  <p:cSld>
+    <p:spTree>
+      <p:nvGrpSpPr>
+        <p:cNvPr id="1" name=""/>
+        <p:cNvGrpSpPr/>
+        <p:nvPr/>
+      </p:nvGrpSpPr>
+      <p:grpSpPr>
+        <a:xfrm>
+          <a:off x="0" y="0"/>
+          <a:ext cx="0" cy="0"/>
+          <a:chOff x="0" y="0"/>
+          <a:chExt cx="0" cy="0"/>
+        </a:xfrm>
+      </p:grpSpPr>
+      <p:sp>
+        <p:nvSpPr>
+          <p:cNvPr id="2" name="제목 1"/>
+          <p:cNvSpPr>
+            <a:spLocks noGrp="1"/>
+          </p:cNvSpPr>
+          <p:nvPr>
+            <p:ph type="title"/>
+          </p:nvPr>
+        </p:nvSpPr>
+        <p:spPr/>
+        <p:txBody>
+          <a:bodyPr>
+            <a:normAutofit/>
+          </a:bodyPr>
+          <a:lstStyle/>
+          <a:p>
+            <a:pPr algn="ctr"/>
+            <a:r>
+              <a:rPr lang="ko-KR" altLang="en-US" sz="2800" dirty="0" smtClean="0"/>
+              <a:t>목 차</a:t>
+            </a:r>
+            <a:endParaRPr lang="ko-KR" altLang="en-US" sz="2800" dirty="0"/>
+          </a:p>
+        </p:txBody>
+      </p:sp>
+      <p:sp>
+        <p:nvSpPr>
+          <p:cNvPr id="4" name="슬라이드 번호 개체 틀 3"/>
+          <p:cNvSpPr>
+            <a:spLocks noGrp="1"/>
+          </p:cNvSpPr>
+          <p:nvPr>
+            <p:ph type="sldNum" sz="quarter" idx="12"/>
+          </p:nvPr>
+        </p:nvSpPr>
+        <p:spPr/>
+        <p:txBody>
+          <a:bodyPr/>
+          <a:lstStyle/>
+          <a:p>
+            <a:fld id="{1BDE3FE7-3AEA-4B05-AC5A-802D1816ACF0}" type="slidenum">
+              <a:rPr lang="ko-KR" altLang="en-US" smtClean="0"/>
+              <a:t>2</a:t>
+            </a:fld>
+            <a:endParaRPr lang="ko-KR" altLang="en-US"/>
+          </a:p>
+        </p:txBody>
+      </p:sp>
+      <p:sp>
+        <p:nvSpPr>
+          <p:cNvPr id="5" name="모서리가 둥근 직사각형 4"/>
+          <p:cNvSpPr/>
+          <p:nvPr/>
+        </p:nvSpPr>
+        <p:spPr>
+          <a:xfrm>
+            <a:off x="1779566" y="1628800"/>
+            <a:ext cx="5261665" cy="792088"/>
+          </a:xfrm>
+          <a:prstGeom prst="roundRect">
+            <a:avLst/>
+          </a:prstGeom>
+          <a:solidFill>
+            <a:schemeClr val="accent3">
+              <a:lumMod val="20000"/>
+              <a:lumOff val="80000"/>
+            </a:schemeClr>
+          </a:solidFill>
+          <a:ln>
+            <a:solidFill>
+              <a:schemeClr val="accent3">
+                <a:lumMod val="60000"/>
+                <a:lumOff val="40000"/>
+              </a:schemeClr>
+            </a:solidFill>
+          </a:ln>
+        </p:spPr>
+        <p:style>
+          <a:lnRef idx="2">
+            <a:schemeClr val="dk1"/>
+          </a:lnRef>
+          <a:fillRef idx="1">
+            <a:schemeClr val="lt1"/>
+          </a:fillRef>
+          <a:effectRef idx="0">
+            <a:schemeClr val="dk1"/>
+          </a:effectRef>
+          <a:fontRef idx="minor">
+            <a:schemeClr val="dk1"/>
+          </a:fontRef>
+        </p:style>
+        <p:txBody>
+          <a:bodyPr rtlCol="0" anchor="ctr"/>
+          <a:lstStyle/>
+          <a:p>
+            <a:r>
+              <a:rPr lang="en-US" altLang="ko-KR" sz="2000" b="1" dirty="0" smtClean="0">
+                <a:solidFill>
+                  <a:schemeClr val="tx1"/>
+                </a:solidFill>
+              </a:rPr>
+              <a:t>     </a:t>
+            </a:r>
+            <a:r>
+              <a:rPr lang="ko-KR" altLang="en-US" sz="2000" b="1" dirty="0" smtClean="0">
+                <a:solidFill>
+                  <a:schemeClr val="tx1"/>
+                </a:solidFill>
+              </a:rPr>
+              <a:t>리스</a:t>
+            </a:r>
+            <a:r>
+              <a:rPr lang="ko-KR" altLang="en-US" sz="2000" b="1" dirty="0">
+                <a:solidFill>
+                  <a:schemeClr val="tx1"/>
+                </a:solidFill>
+              </a:rPr>
+              <a:t>트</a:t>
+            </a:r>
+          </a:p>
+        </p:txBody>
+      </p:sp>
+      <p:sp>
+        <p:nvSpPr>
+          <p:cNvPr id="6" name="타원 5"/>
+          <p:cNvSpPr/>
+          <p:nvPr/>
+        </p:nvSpPr>
+        <p:spPr>
+          <a:xfrm>
+            <a:off x="1424608" y="1340768"/>
+            <a:ext cx="792088" cy="648072"/>
+          </a:xfrm>
+          <a:prstGeom prst="ellipse">
+            <a:avLst/>
+          </a:prstGeom>
+          <a:solidFill>
+            <a:srgbClr val="92D050"/>
+          </a:solidFill>
+          <a:ln w="12700">
+            <a:solidFill>
+              <a:srgbClr val="00B050"/>
+            </a:solidFill>
+          </a:ln>
+        </p:spPr>
+        <p:style>
+          <a:lnRef idx="2">
+            <a:schemeClr val="accent1">
+              <a:shade val="50000"/>
+            </a:schemeClr>
+          </a:lnRef>
+          <a:fillRef idx="1">
+            <a:schemeClr val="accent1"/>
+          </a:fillRef>
+          <a:effectRef idx="0">
+            <a:schemeClr val="accent1"/>
+          </a:effectRef>
+          <a:fontRef idx="minor">
+            <a:schemeClr val="lt1"/>
+          </a:fontRef>
+        </p:style>
+        <p:txBody>
+          <a:bodyPr rtlCol="0" anchor="ctr"/>
+          <a:lstStyle/>
+          <a:p>
+            <a:pPr algn="ctr"/>
+            <a:r>
+              <a:rPr lang="en-US" altLang="ko-KR" dirty="0" smtClean="0"/>
+              <a:t>1</a:t>
+            </a:r>
+            <a:endParaRPr lang="ko-KR" altLang="en-US" dirty="0"/>
+          </a:p>
+        </p:txBody>
+      </p:sp>
+      <p:sp>
+        <p:nvSpPr>
+          <p:cNvPr id="7" name="모서리가 둥근 직사각형 6"/>
+          <p:cNvSpPr/>
+          <p:nvPr/>
+        </p:nvSpPr>
+        <p:spPr>
+          <a:xfrm>
+            <a:off x="1779567" y="2924944"/>
+            <a:ext cx="5261665" cy="792088"/>
+          </a:xfrm>
+          <a:prstGeom prst="roundRect">
+            <a:avLst/>
+          </a:prstGeom>
+          <a:solidFill>
+            <a:schemeClr val="accent3">
+              <a:lumMod val="20000"/>
+              <a:lumOff val="80000"/>
+            </a:schemeClr>
+          </a:solidFill>
+          <a:ln>
+            <a:solidFill>
+              <a:schemeClr val="accent3">
+                <a:lumMod val="60000"/>
+                <a:lumOff val="40000"/>
+              </a:schemeClr>
+            </a:solidFill>
+          </a:ln>
+        </p:spPr>
+        <p:style>
+          <a:lnRef idx="2">
+            <a:schemeClr val="dk1"/>
+          </a:lnRef>
+          <a:fillRef idx="1">
+            <a:schemeClr val="lt1"/>
+          </a:fillRef>
+          <a:effectRef idx="0">
+            <a:schemeClr val="dk1"/>
+          </a:effectRef>
+          <a:fontRef idx="minor">
+            <a:schemeClr val="dk1"/>
+          </a:fontRef>
+        </p:style>
+        <p:txBody>
+          <a:bodyPr rtlCol="0" anchor="ctr"/>
+          <a:lstStyle/>
+          <a:p>
+            <a:r>
+              <a:rPr lang="ko-KR" altLang="en-US" sz="2000" b="1" dirty="0" smtClean="0">
+                <a:solidFill>
+                  <a:schemeClr val="tx1"/>
+                </a:solidFill>
+              </a:rPr>
+              <a:t>     </a:t>
+            </a:r>
+            <a:r>
+              <a:rPr lang="ko-KR" altLang="en-US" sz="2000" b="1" dirty="0" err="1" smtClean="0">
+                <a:solidFill>
+                  <a:schemeClr val="tx1"/>
+                </a:solidFill>
+              </a:rPr>
+              <a:t>딕셔너리</a:t>
+            </a:r>
+            <a:endParaRPr lang="ko-KR" altLang="en-US" sz="2000" b="1" dirty="0">
+              <a:solidFill>
+                <a:schemeClr val="tx1"/>
+              </a:solidFill>
+            </a:endParaRPr>
+          </a:p>
+        </p:txBody>
+      </p:sp>
+      <p:sp>
+        <p:nvSpPr>
+          <p:cNvPr id="8" name="타원 7"/>
+          <p:cNvSpPr/>
+          <p:nvPr/>
+        </p:nvSpPr>
+        <p:spPr>
+          <a:xfrm>
+            <a:off x="1424608" y="2636912"/>
+            <a:ext cx="792088" cy="648072"/>
+          </a:xfrm>
+          <a:prstGeom prst="ellipse">
+            <a:avLst/>
+          </a:prstGeom>
+          <a:solidFill>
+            <a:srgbClr val="92D050"/>
+          </a:solidFill>
+          <a:ln w="12700">
+            <a:solidFill>
+              <a:srgbClr val="00B050"/>
+            </a:solidFill>
+          </a:ln>
+        </p:spPr>
+        <p:style>
+          <a:lnRef idx="2">
+            <a:schemeClr val="accent1">
+              <a:shade val="50000"/>
+            </a:schemeClr>
+          </a:lnRef>
+          <a:fillRef idx="1">
+            <a:schemeClr val="accent1"/>
+          </a:fillRef>
+          <a:effectRef idx="0">
+            <a:schemeClr val="accent1"/>
+          </a:effectRef>
+          <a:fontRef idx="minor">
+            <a:schemeClr val="lt1"/>
+          </a:fontRef>
+        </p:style>
+        <p:txBody>
+          <a:bodyPr rtlCol="0" anchor="ctr"/>
+          <a:lstStyle/>
+          <a:p>
+            <a:pPr algn="ctr"/>
+            <a:r>
+              <a:rPr lang="en-US" altLang="ko-KR" dirty="0" smtClean="0"/>
+              <a:t>2</a:t>
+            </a:r>
+            <a:endParaRPr lang="ko-KR" altLang="en-US" dirty="0"/>
+          </a:p>
+        </p:txBody>
+      </p:sp>
+      <p:sp>
+        <p:nvSpPr>
+          <p:cNvPr id="9" name="모서리가 둥근 직사각형 8"/>
+          <p:cNvSpPr/>
+          <p:nvPr/>
+        </p:nvSpPr>
+        <p:spPr>
+          <a:xfrm>
+            <a:off x="1779567" y="4221088"/>
+            <a:ext cx="5261665" cy="792088"/>
+          </a:xfrm>
+          <a:prstGeom prst="roundRect">
+            <a:avLst/>
+          </a:prstGeom>
+          <a:solidFill>
+            <a:schemeClr val="accent3">
+              <a:lumMod val="20000"/>
+              <a:lumOff val="80000"/>
+            </a:schemeClr>
+          </a:solidFill>
+          <a:ln>
+            <a:solidFill>
+              <a:schemeClr val="accent3">
+                <a:lumMod val="60000"/>
+                <a:lumOff val="40000"/>
+              </a:schemeClr>
+            </a:solidFill>
+          </a:ln>
+        </p:spPr>
+        <p:style>
+          <a:lnRef idx="2">
+            <a:schemeClr val="dk1"/>
+          </a:lnRef>
+          <a:fillRef idx="1">
+            <a:schemeClr val="lt1"/>
+          </a:fillRef>
+          <a:effectRef idx="0">
+            <a:schemeClr val="dk1"/>
+          </a:effectRef>
+          <a:fontRef idx="minor">
+            <a:schemeClr val="dk1"/>
+          </a:fontRef>
+        </p:style>
+        <p:txBody>
+          <a:bodyPr rtlCol="0" anchor="ctr"/>
+          <a:lstStyle/>
+          <a:p>
+            <a:r>
+              <a:rPr lang="en-US" altLang="ko-KR" sz="2000" b="1" dirty="0" smtClean="0">
+                <a:solidFill>
+                  <a:schemeClr val="tx1"/>
+                </a:solidFill>
+              </a:rPr>
+              <a:t>     </a:t>
+            </a:r>
+            <a:r>
+              <a:rPr lang="ko-KR" altLang="en-US" sz="2000" b="1" dirty="0" err="1" smtClean="0">
+                <a:solidFill>
+                  <a:schemeClr val="tx1"/>
+                </a:solidFill>
+              </a:rPr>
+              <a:t>튜플</a:t>
+            </a:r>
+            <a:r>
+              <a:rPr lang="en-US" altLang="ko-KR" sz="2000" b="1" dirty="0" smtClean="0">
+                <a:solidFill>
+                  <a:schemeClr val="tx1"/>
+                </a:solidFill>
+              </a:rPr>
+              <a:t>, </a:t>
+            </a:r>
+            <a:r>
+              <a:rPr lang="ko-KR" altLang="en-US" sz="2000" b="1" dirty="0" smtClean="0">
+                <a:solidFill>
+                  <a:schemeClr val="tx1"/>
+                </a:solidFill>
+              </a:rPr>
+              <a:t>집합</a:t>
+            </a:r>
+            <a:endParaRPr lang="ko-KR" altLang="en-US" sz="2000" b="1" dirty="0">
+              <a:solidFill>
+                <a:schemeClr val="tx1"/>
+              </a:solidFill>
+            </a:endParaRPr>
+          </a:p>
+        </p:txBody>
+      </p:sp>
+      <p:sp>
+        <p:nvSpPr>
+          <p:cNvPr id="10" name="타원 9"/>
+          <p:cNvSpPr/>
+          <p:nvPr/>
+        </p:nvSpPr>
+        <p:spPr>
+          <a:xfrm>
+            <a:off x="1424608" y="3933056"/>
+            <a:ext cx="792088" cy="648072"/>
+          </a:xfrm>
+          <a:prstGeom prst="ellipse">
+            <a:avLst/>
+          </a:prstGeom>
+          <a:solidFill>
+            <a:srgbClr val="92D050"/>
+          </a:solidFill>
+          <a:ln w="12700">
+            <a:solidFill>
+              <a:srgbClr val="00B050"/>
+            </a:solidFill>
+          </a:ln>
+        </p:spPr>
+        <p:style>
+          <a:lnRef idx="2">
+            <a:schemeClr val="accent1">
+              <a:shade val="50000"/>
+            </a:schemeClr>
+          </a:lnRef>
+          <a:fillRef idx="1">
+            <a:schemeClr val="accent1"/>
+          </a:fillRef>
+          <a:effectRef idx="0">
+            <a:schemeClr val="accent1"/>
+          </a:effectRef>
+          <a:fontRef idx="minor">
+            <a:schemeClr val="lt1"/>
+          </a:fontRef>
+        </p:style>
+        <p:txBody>
+          <a:bodyPr rtlCol="0" anchor="ctr"/>
+          <a:lstStyle/>
+          <a:p>
+            <a:pPr algn="ctr"/>
+            <a:r>
+              <a:rPr lang="en-US" altLang="ko-KR" dirty="0" smtClean="0"/>
+              <a:t>3</a:t>
+            </a:r>
+            <a:endParaRPr lang="ko-KR" altLang="en-US" dirty="0"/>
+          </a:p>
+        </p:txBody>
+      </p:sp>
+    </p:spTree>
+    <p:extLst>
+      <p:ext uri="{BB962C8B-B14F-4D97-AF65-F5344CB8AC3E}">
+        <p14:creationId xmlns:p14="http://schemas.microsoft.com/office/powerpoint/2010/main" val="1289121818"/>
+      </p:ext>
+    </p:extLst>
+  </p:cSld>
+  <p:clrMapOvr>
+    <a:masterClrMapping/>
+  </p:clrMapOvr>
+  <p:timing>
+    <p:tnLst>
+      <p:par>
+        <p:cTn id="1" dur="indefinite" restart="never" nodeType="tmRoot"/>
+      </p:par>
+    </p:tnLst>
+  </p:timing>
+</p:sld>
+</file>
+
+<file path=ppt/slides/slide20.xml><?xml version="1.0" encoding="utf-8"?>
+<p:sld xmlns:a="http://schemas.openxmlformats.org/drawingml/2006/main" xmlns:r="http://schemas.openxmlformats.org/officeDocument/2006/relationships" xmlns:p="http://schemas.openxmlformats.org/presentationml/2006/main">
+  <p:cSld>
+    <p:spTree>
+      <p:nvGrpSpPr>
+        <p:cNvPr id="1" name=""/>
+        <p:cNvGrpSpPr/>
+        <p:nvPr/>
+      </p:nvGrpSpPr>
+      <p:grpSpPr>
+        <a:xfrm>
+          <a:off x="0" y="0"/>
+          <a:ext cx="0" cy="0"/>
+          <a:chOff x="0" y="0"/>
+          <a:chExt cx="0" cy="0"/>
+        </a:xfrm>
+      </p:grpSpPr>
+      <p:sp>
+        <p:nvSpPr>
+          <p:cNvPr id="2" name="제목 1"/>
+          <p:cNvSpPr>
+            <a:spLocks noGrp="1"/>
+          </p:cNvSpPr>
+          <p:nvPr>
+            <p:ph type="title"/>
+          </p:nvPr>
+        </p:nvSpPr>
+        <p:spPr/>
+        <p:txBody>
+          <a:bodyPr/>
+          <a:lstStyle/>
+          <a:p>
+            <a:r>
+              <a:rPr lang="en-US" altLang="ko-KR" dirty="0"/>
+              <a:t> </a:t>
+            </a:r>
+            <a:r>
+              <a:rPr lang="ko-KR" altLang="en-US" dirty="0" smtClean="0"/>
+              <a:t>문자열 응용 </a:t>
+            </a:r>
+            <a:r>
+              <a:rPr lang="en-US" altLang="ko-KR" dirty="0" smtClean="0"/>
+              <a:t>– if</a:t>
+            </a:r>
+            <a:r>
+              <a:rPr lang="ko-KR" altLang="en-US" dirty="0" smtClean="0"/>
+              <a:t>문</a:t>
+            </a:r>
+            <a:endParaRPr lang="ko-KR" altLang="en-US" dirty="0"/>
+          </a:p>
+        </p:txBody>
+      </p:sp>
+      <p:sp>
+        <p:nvSpPr>
+          <p:cNvPr id="4" name="슬라이드 번호 개체 틀 3"/>
+          <p:cNvSpPr>
+            <a:spLocks noGrp="1"/>
+          </p:cNvSpPr>
+          <p:nvPr>
+            <p:ph type="sldNum" sz="quarter" idx="12"/>
+          </p:nvPr>
+        </p:nvSpPr>
+        <p:spPr/>
+        <p:txBody>
+          <a:bodyPr/>
+          <a:lstStyle/>
+          <a:p>
+            <a:fld id="{1BDE3FE7-3AEA-4B05-AC5A-802D1816ACF0}" type="slidenum">
+              <a:rPr lang="ko-KR" altLang="en-US" smtClean="0"/>
+              <a:t>20</a:t>
             </a:fld>
             <a:endParaRPr lang="ko-KR" altLang="en-US"/>
           </a:p>
@@ -7962,7 +8573,7 @@
 </p:sld>
 </file>
 
-<file path=ppt/slides/slide2.xml><?xml version="1.0" encoding="utf-8"?>
+<file path=ppt/slides/slide21.xml><?xml version="1.0" encoding="utf-8"?>
 <p:sld xmlns:a="http://schemas.openxmlformats.org/drawingml/2006/main" xmlns:r="http://schemas.openxmlformats.org/officeDocument/2006/relationships" xmlns:p="http://schemas.openxmlformats.org/presentationml/2006/main">
   <p:cSld>
     <p:spTree>
@@ -7991,17 +8602,26 @@
         </p:nvSpPr>
         <p:spPr/>
         <p:txBody>
-          <a:bodyPr>
-            <a:normAutofit/>
-          </a:bodyPr>
-          <a:lstStyle/>
-          <a:p>
-            <a:pPr algn="ctr"/>
-            <a:r>
-              <a:rPr lang="ko-KR" altLang="en-US" sz="2800" dirty="0" smtClean="0"/>
-              <a:t>목 차</a:t>
-            </a:r>
-            <a:endParaRPr lang="ko-KR" altLang="en-US" sz="2800" dirty="0"/>
+          <a:bodyPr/>
+          <a:lstStyle/>
+          <a:p>
+            <a:r>
+              <a:rPr lang="en-US" altLang="ko-KR" dirty="0"/>
+              <a:t> </a:t>
+            </a:r>
+            <a:r>
+              <a:rPr lang="en-US" altLang="ko-KR" dirty="0" smtClean="0"/>
+              <a:t>if ~ </a:t>
+            </a:r>
+            <a:r>
+              <a:rPr lang="ko-KR" altLang="en-US" dirty="0" smtClean="0"/>
+              <a:t>내부 </a:t>
+            </a:r>
+            <a:r>
+              <a:rPr lang="en-US" altLang="ko-KR" dirty="0" smtClean="0"/>
+              <a:t>if</a:t>
+            </a:r>
+            <a:endParaRPr lang="ko-KR" altLang="en-US" dirty="0"/>
           </a:p>
         </p:txBody>
       </p:sp>
@@ -8022,490 +8642,7 @@
           <a:p>
             <a:fld id="{1BDE3FE7-3AEA-4B05-AC5A-802D1816ACF0}" type="slidenum">
               <a:rPr lang="ko-KR" altLang="en-US" smtClean="0"/>
-              <a:t>2</a:t>
-            </a:fld>
-            <a:endParaRPr lang="ko-KR" altLang="en-US"/>
-          </a:p>
-        </p:txBody>
-      </p:sp>
-      <p:sp>
-        <p:nvSpPr>
-          <p:cNvPr id="5" name="모서리가 둥근 직사각형 4"/>
-          <p:cNvSpPr/>
-          <p:nvPr/>
-        </p:nvSpPr>
-        <p:spPr>
-          <a:xfrm>
-            <a:off x="1779566" y="1628800"/>
-            <a:ext cx="5261665" cy="792088"/>
-          </a:xfrm>
-          <a:prstGeom prst="roundRect">
-            <a:avLst/>
-          </a:prstGeom>
-          <a:solidFill>
-            <a:schemeClr val="accent3">
-              <a:lumMod val="20000"/>
-              <a:lumOff val="80000"/>
-            </a:schemeClr>
-          </a:solidFill>
-          <a:ln>
-            <a:solidFill>
-              <a:schemeClr val="accent3">
-                <a:lumMod val="60000"/>
-                <a:lumOff val="40000"/>
-              </a:schemeClr>
-            </a:solidFill>
-          </a:ln>
-        </p:spPr>
-        <p:style>
-          <a:lnRef idx="2">
-            <a:schemeClr val="dk1"/>
-          </a:lnRef>
-          <a:fillRef idx="1">
-            <a:schemeClr val="lt1"/>
-          </a:fillRef>
-          <a:effectRef idx="0">
-            <a:schemeClr val="dk1"/>
-          </a:effectRef>
-          <a:fontRef idx="minor">
-            <a:schemeClr val="dk1"/>
-          </a:fontRef>
-        </p:style>
-        <p:txBody>
-          <a:bodyPr rtlCol="0" anchor="ctr"/>
-          <a:lstStyle/>
-          <a:p>
-            <a:r>
-              <a:rPr lang="en-US" altLang="ko-KR" sz="2000" b="1" dirty="0" smtClean="0">
-                <a:solidFill>
-                  <a:schemeClr val="tx1"/>
-                </a:solidFill>
-              </a:rPr>
-              <a:t>     </a:t>
-            </a:r>
-            <a:r>
-              <a:rPr lang="ko-KR" altLang="en-US" sz="2000" b="1" dirty="0" smtClean="0">
-                <a:solidFill>
-                  <a:schemeClr val="tx1"/>
-                </a:solidFill>
-              </a:rPr>
-              <a:t>리스</a:t>
-            </a:r>
-            <a:r>
-              <a:rPr lang="ko-KR" altLang="en-US" sz="2000" b="1" dirty="0">
-                <a:solidFill>
-                  <a:schemeClr val="tx1"/>
-                </a:solidFill>
-              </a:rPr>
-              <a:t>트</a:t>
-            </a:r>
-          </a:p>
-        </p:txBody>
-      </p:sp>
-      <p:sp>
-        <p:nvSpPr>
-          <p:cNvPr id="6" name="타원 5"/>
-          <p:cNvSpPr/>
-          <p:nvPr/>
-        </p:nvSpPr>
-        <p:spPr>
-          <a:xfrm>
-            <a:off x="1424608" y="1340768"/>
-            <a:ext cx="792088" cy="648072"/>
-          </a:xfrm>
-          <a:prstGeom prst="ellipse">
-            <a:avLst/>
-          </a:prstGeom>
-          <a:solidFill>
-            <a:srgbClr val="92D050"/>
-          </a:solidFill>
-          <a:ln w="12700">
-            <a:solidFill>
-              <a:srgbClr val="00B050"/>
-            </a:solidFill>
-          </a:ln>
-        </p:spPr>
-        <p:style>
-          <a:lnRef idx="2">
-            <a:schemeClr val="accent1">
-              <a:shade val="50000"/>
-            </a:schemeClr>
-          </a:lnRef>
-          <a:fillRef idx="1">
-            <a:schemeClr val="accent1"/>
-          </a:fillRef>
-          <a:effectRef idx="0">
-            <a:schemeClr val="accent1"/>
-          </a:effectRef>
-          <a:fontRef idx="minor">
-            <a:schemeClr val="lt1"/>
-          </a:fontRef>
-        </p:style>
-        <p:txBody>
-          <a:bodyPr rtlCol="0" anchor="ctr"/>
-          <a:lstStyle/>
-          <a:p>
-            <a:pPr algn="ctr"/>
-            <a:r>
-              <a:rPr lang="en-US" altLang="ko-KR" dirty="0" smtClean="0"/>
-              <a:t>1</a:t>
-            </a:r>
-            <a:endParaRPr lang="ko-KR" altLang="en-US" dirty="0"/>
-          </a:p>
-        </p:txBody>
-      </p:sp>
-      <p:sp>
-        <p:nvSpPr>
-          <p:cNvPr id="7" name="모서리가 둥근 직사각형 6"/>
-          <p:cNvSpPr/>
-          <p:nvPr/>
-        </p:nvSpPr>
-        <p:spPr>
-          <a:xfrm>
-            <a:off x="1779567" y="2924944"/>
-            <a:ext cx="5261665" cy="792088"/>
-          </a:xfrm>
-          <a:prstGeom prst="roundRect">
-            <a:avLst/>
-          </a:prstGeom>
-          <a:solidFill>
-            <a:schemeClr val="accent3">
-              <a:lumMod val="20000"/>
-              <a:lumOff val="80000"/>
-            </a:schemeClr>
-          </a:solidFill>
-          <a:ln>
-            <a:solidFill>
-              <a:schemeClr val="accent3">
-                <a:lumMod val="60000"/>
-                <a:lumOff val="40000"/>
-              </a:schemeClr>
-            </a:solidFill>
-          </a:ln>
-        </p:spPr>
-        <p:style>
-          <a:lnRef idx="2">
-            <a:schemeClr val="dk1"/>
-          </a:lnRef>
-          <a:fillRef idx="1">
-            <a:schemeClr val="lt1"/>
-          </a:fillRef>
-          <a:effectRef idx="0">
-            <a:schemeClr val="dk1"/>
-          </a:effectRef>
-          <a:fontRef idx="minor">
-            <a:schemeClr val="dk1"/>
-          </a:fontRef>
-        </p:style>
-        <p:txBody>
-          <a:bodyPr rtlCol="0" anchor="ctr"/>
-          <a:lstStyle/>
-          <a:p>
-            <a:r>
-              <a:rPr lang="ko-KR" altLang="en-US" sz="2000" b="1" dirty="0" smtClean="0">
-                <a:solidFill>
-                  <a:schemeClr val="tx1"/>
-                </a:solidFill>
-              </a:rPr>
-              <a:t>     </a:t>
-            </a:r>
-            <a:r>
-              <a:rPr lang="ko-KR" altLang="en-US" sz="2000" b="1" dirty="0" err="1" smtClean="0">
-                <a:solidFill>
-                  <a:schemeClr val="tx1"/>
-                </a:solidFill>
-              </a:rPr>
-              <a:t>딕셔너리</a:t>
-            </a:r>
-            <a:endParaRPr lang="ko-KR" altLang="en-US" sz="2000" b="1" dirty="0">
-              <a:solidFill>
-                <a:schemeClr val="tx1"/>
-              </a:solidFill>
-            </a:endParaRPr>
-          </a:p>
-        </p:txBody>
-      </p:sp>
-      <p:sp>
-        <p:nvSpPr>
-          <p:cNvPr id="8" name="타원 7"/>
-          <p:cNvSpPr/>
-          <p:nvPr/>
-        </p:nvSpPr>
-        <p:spPr>
-          <a:xfrm>
-            <a:off x="1424608" y="2636912"/>
-            <a:ext cx="792088" cy="648072"/>
-          </a:xfrm>
-          <a:prstGeom prst="ellipse">
-            <a:avLst/>
-          </a:prstGeom>
-          <a:solidFill>
-            <a:srgbClr val="92D050"/>
-          </a:solidFill>
-          <a:ln w="12700">
-            <a:solidFill>
-              <a:srgbClr val="00B050"/>
-            </a:solidFill>
-          </a:ln>
-        </p:spPr>
-        <p:style>
-          <a:lnRef idx="2">
-            <a:schemeClr val="accent1">
-              <a:shade val="50000"/>
-            </a:schemeClr>
-          </a:lnRef>
-          <a:fillRef idx="1">
-            <a:schemeClr val="accent1"/>
-          </a:fillRef>
-          <a:effectRef idx="0">
-            <a:schemeClr val="accent1"/>
-          </a:effectRef>
-          <a:fontRef idx="minor">
-            <a:schemeClr val="lt1"/>
-          </a:fontRef>
-        </p:style>
-        <p:txBody>
-          <a:bodyPr rtlCol="0" anchor="ctr"/>
-          <a:lstStyle/>
-          <a:p>
-            <a:pPr algn="ctr"/>
-            <a:r>
-              <a:rPr lang="en-US" altLang="ko-KR" dirty="0" smtClean="0"/>
-              <a:t>2</a:t>
-            </a:r>
-            <a:endParaRPr lang="ko-KR" altLang="en-US" dirty="0"/>
-          </a:p>
-        </p:txBody>
-      </p:sp>
-      <p:sp>
-        <p:nvSpPr>
-          <p:cNvPr id="9" name="모서리가 둥근 직사각형 8"/>
-          <p:cNvSpPr/>
-          <p:nvPr/>
-        </p:nvSpPr>
-        <p:spPr>
-          <a:xfrm>
-            <a:off x="1779567" y="4221088"/>
-            <a:ext cx="5261665" cy="792088"/>
-          </a:xfrm>
-          <a:prstGeom prst="roundRect">
-            <a:avLst/>
-          </a:prstGeom>
-          <a:solidFill>
-            <a:schemeClr val="accent3">
-              <a:lumMod val="20000"/>
-              <a:lumOff val="80000"/>
-            </a:schemeClr>
-          </a:solidFill>
-          <a:ln>
-            <a:solidFill>
-              <a:schemeClr val="accent3">
-                <a:lumMod val="60000"/>
-                <a:lumOff val="40000"/>
-              </a:schemeClr>
-            </a:solidFill>
-          </a:ln>
-        </p:spPr>
-        <p:style>
-          <a:lnRef idx="2">
-            <a:schemeClr val="dk1"/>
-          </a:lnRef>
-          <a:fillRef idx="1">
-            <a:schemeClr val="lt1"/>
-          </a:fillRef>
-          <a:effectRef idx="0">
-            <a:schemeClr val="dk1"/>
-          </a:effectRef>
-          <a:fontRef idx="minor">
-            <a:schemeClr val="dk1"/>
-          </a:fontRef>
-        </p:style>
-        <p:txBody>
-          <a:bodyPr rtlCol="0" anchor="ctr"/>
-          <a:lstStyle/>
-          <a:p>
-            <a:r>
-              <a:rPr lang="en-US" altLang="ko-KR" sz="2000" b="1" dirty="0" smtClean="0">
-                <a:solidFill>
-                  <a:schemeClr val="tx1"/>
-                </a:solidFill>
-              </a:rPr>
-              <a:t>     </a:t>
-            </a:r>
-            <a:r>
-              <a:rPr lang="ko-KR" altLang="en-US" sz="2000" b="1" dirty="0" err="1" smtClean="0">
-                <a:solidFill>
-                  <a:schemeClr val="tx1"/>
-                </a:solidFill>
-              </a:rPr>
-              <a:t>튜플</a:t>
-            </a:r>
-            <a:r>
-              <a:rPr lang="en-US" altLang="ko-KR" sz="2000" b="1" dirty="0" smtClean="0">
-                <a:solidFill>
-                  <a:schemeClr val="tx1"/>
-                </a:solidFill>
-              </a:rPr>
-              <a:t>, </a:t>
-            </a:r>
-            <a:r>
-              <a:rPr lang="ko-KR" altLang="en-US" sz="2000" b="1" dirty="0" smtClean="0">
-                <a:solidFill>
-                  <a:schemeClr val="tx1"/>
-                </a:solidFill>
-              </a:rPr>
-              <a:t>집합</a:t>
-            </a:r>
-            <a:endParaRPr lang="ko-KR" altLang="en-US" sz="2000" b="1" dirty="0">
-              <a:solidFill>
-                <a:schemeClr val="tx1"/>
-              </a:solidFill>
-            </a:endParaRPr>
-          </a:p>
-        </p:txBody>
-      </p:sp>
-      <p:sp>
-        <p:nvSpPr>
-          <p:cNvPr id="10" name="타원 9"/>
-          <p:cNvSpPr/>
-          <p:nvPr/>
-        </p:nvSpPr>
-        <p:spPr>
-          <a:xfrm>
-            <a:off x="1424608" y="3933056"/>
-            <a:ext cx="792088" cy="648072"/>
-          </a:xfrm>
-          <a:prstGeom prst="ellipse">
-            <a:avLst/>
-          </a:prstGeom>
-          <a:solidFill>
-            <a:srgbClr val="92D050"/>
-          </a:solidFill>
-          <a:ln w="12700">
-            <a:solidFill>
-              <a:srgbClr val="00B050"/>
-            </a:solidFill>
-          </a:ln>
-        </p:spPr>
-        <p:style>
-          <a:lnRef idx="2">
-            <a:schemeClr val="accent1">
-              <a:shade val="50000"/>
-            </a:schemeClr>
-          </a:lnRef>
-          <a:fillRef idx="1">
-            <a:schemeClr val="accent1"/>
-          </a:fillRef>
-          <a:effectRef idx="0">
-            <a:schemeClr val="accent1"/>
-          </a:effectRef>
-          <a:fontRef idx="minor">
-            <a:schemeClr val="lt1"/>
-          </a:fontRef>
-        </p:style>
-        <p:txBody>
-          <a:bodyPr rtlCol="0" anchor="ctr"/>
-          <a:lstStyle/>
-          <a:p>
-            <a:pPr algn="ctr"/>
-            <a:r>
-              <a:rPr lang="en-US" altLang="ko-KR" dirty="0" smtClean="0"/>
-              <a:t>3</a:t>
-            </a:r>
-            <a:endParaRPr lang="ko-KR" altLang="en-US" dirty="0"/>
-          </a:p>
-        </p:txBody>
-      </p:sp>
-    </p:spTree>
-    <p:extLst>
-      <p:ext uri="{BB962C8B-B14F-4D97-AF65-F5344CB8AC3E}">
-        <p14:creationId xmlns:p14="http://schemas.microsoft.com/office/powerpoint/2010/main" val="1289121818"/>
-      </p:ext>
-    </p:extLst>
-  </p:cSld>
-  <p:clrMapOvr>
-    <a:masterClrMapping/>
-  </p:clrMapOvr>
-  <p:timing>
-    <p:tnLst>
-      <p:par>
-        <p:cTn id="1" dur="indefinite" restart="never" nodeType="tmRoot"/>
-      </p:par>
-    </p:tnLst>
-  </p:timing>
-</p:sld>
-</file>
-
-<file path=ppt/slides/slide20.xml><?xml version="1.0" encoding="utf-8"?>
-<p:sld xmlns:a="http://schemas.openxmlformats.org/drawingml/2006/main" xmlns:r="http://schemas.openxmlformats.org/officeDocument/2006/relationships" xmlns:p="http://schemas.openxmlformats.org/presentationml/2006/main">
-  <p:cSld>
-    <p:spTree>
-      <p:nvGrpSpPr>
-        <p:cNvPr id="1" name=""/>
-        <p:cNvGrpSpPr/>
-        <p:nvPr/>
-      </p:nvGrpSpPr>
-      <p:grpSpPr>
-        <a:xfrm>
-          <a:off x="0" y="0"/>
-          <a:ext cx="0" cy="0"/>
-          <a:chOff x="0" y="0"/>
-          <a:chExt cx="0" cy="0"/>
-        </a:xfrm>
-      </p:grpSpPr>
-      <p:sp>
-        <p:nvSpPr>
-          <p:cNvPr id="2" name="제목 1"/>
-          <p:cNvSpPr>
-            <a:spLocks noGrp="1"/>
-          </p:cNvSpPr>
-          <p:nvPr>
-            <p:ph type="title"/>
-          </p:nvPr>
-        </p:nvSpPr>
-        <p:spPr/>
-        <p:txBody>
-          <a:bodyPr/>
-          <a:lstStyle/>
-          <a:p>
-            <a:r>
-              <a:rPr lang="en-US" altLang="ko-KR" dirty="0"/>
-              <a:t> </a:t>
-            </a:r>
-            <a:r>
-              <a:rPr lang="en-US" altLang="ko-KR" dirty="0" smtClean="0"/>
-              <a:t>if ~ </a:t>
-            </a:r>
-            <a:r>
-              <a:rPr lang="ko-KR" altLang="en-US" dirty="0" smtClean="0"/>
-              <a:t>내부 </a:t>
-            </a:r>
-            <a:r>
-              <a:rPr lang="en-US" altLang="ko-KR" dirty="0" smtClean="0"/>
-              <a:t>if</a:t>
-            </a:r>
-            <a:endParaRPr lang="ko-KR" altLang="en-US" dirty="0"/>
-          </a:p>
-        </p:txBody>
-      </p:sp>
-      <p:sp>
-        <p:nvSpPr>
-          <p:cNvPr id="4" name="슬라이드 번호 개체 틀 3"/>
-          <p:cNvSpPr>
-            <a:spLocks noGrp="1"/>
-          </p:cNvSpPr>
-          <p:nvPr>
-            <p:ph type="sldNum" sz="quarter" idx="12"/>
-          </p:nvPr>
-        </p:nvSpPr>
-        <p:spPr/>
-        <p:txBody>
-          <a:bodyPr/>
-          <a:lstStyle/>
-          <a:p>
-            <a:fld id="{1BDE3FE7-3AEA-4B05-AC5A-802D1816ACF0}" type="slidenum">
-              <a:rPr lang="ko-KR" altLang="en-US" smtClean="0"/>
-              <a:t>20</a:t>
+              <a:t>21</a:t>
             </a:fld>
             <a:endParaRPr lang="ko-KR" altLang="en-US"/>
           </a:p>
@@ -8650,7 +8787,7 @@
 </p:sld>
 </file>
 
-<file path=ppt/slides/slide21.xml><?xml version="1.0" encoding="utf-8"?>
+<file path=ppt/slides/slide22.xml><?xml version="1.0" encoding="utf-8"?>
 <p:sld xmlns:a="http://schemas.openxmlformats.org/drawingml/2006/main" xmlns:r="http://schemas.openxmlformats.org/officeDocument/2006/relationships" xmlns:p="http://schemas.openxmlformats.org/presentationml/2006/main">
   <p:cSld>
     <p:spTree>
@@ -8723,7 +8860,7 @@
           <a:p>
             <a:fld id="{1BDE3FE7-3AEA-4B05-AC5A-802D1816ACF0}" type="slidenum">
               <a:rPr lang="ko-KR" altLang="en-US" smtClean="0"/>
-              <a:t>21</a:t>
+              <a:t>22</a:t>
             </a:fld>
             <a:endParaRPr lang="ko-KR" altLang="en-US"/>
           </a:p>
@@ -9082,7 +9219,7 @@
 </p:sld>
 </file>
 
-<file path=ppt/slides/slide22.xml><?xml version="1.0" encoding="utf-8"?>
+<file path=ppt/slides/slide23.xml><?xml version="1.0" encoding="utf-8"?>
 <p:sld xmlns:a="http://schemas.openxmlformats.org/drawingml/2006/main" xmlns:r="http://schemas.openxmlformats.org/officeDocument/2006/relationships" xmlns:p="http://schemas.openxmlformats.org/presentationml/2006/main">
   <p:cSld>
     <p:spTree>
@@ -9156,7 +9293,7 @@
           <a:p>
             <a:fld id="{1BDE3FE7-3AEA-4B05-AC5A-802D1816ACF0}" type="slidenum">
               <a:rPr lang="ko-KR" altLang="en-US" smtClean="0"/>
-              <a:t>22</a:t>
+              <a:t>23</a:t>
             </a:fld>
             <a:endParaRPr lang="ko-KR" altLang="en-US"/>
           </a:p>
@@ -9680,7 +9817,7 @@
 </p:sld>
 </file>
 
-<file path=ppt/slides/slide23.xml><?xml version="1.0" encoding="utf-8"?>
+<file path=ppt/slides/slide24.xml><?xml version="1.0" encoding="utf-8"?>
 <p:sld xmlns:a="http://schemas.openxmlformats.org/drawingml/2006/main" xmlns:r="http://schemas.openxmlformats.org/officeDocument/2006/relationships" xmlns:p="http://schemas.openxmlformats.org/presentationml/2006/main">
   <p:cSld>
     <p:spTree>
@@ -9741,7 +9878,7 @@
           <a:p>
             <a:fld id="{1BDE3FE7-3AEA-4B05-AC5A-802D1816ACF0}" type="slidenum">
               <a:rPr lang="ko-KR" altLang="en-US" smtClean="0"/>
-              <a:t>23</a:t>
+              <a:t>24</a:t>
             </a:fld>
             <a:endParaRPr lang="ko-KR" altLang="en-US"/>
           </a:p>
@@ -10191,7 +10328,7 @@
 </p:sld>
 </file>
 
-<file path=ppt/slides/slide24.xml><?xml version="1.0" encoding="utf-8"?>
+<file path=ppt/slides/slide25.xml><?xml version="1.0" encoding="utf-8"?>
 <p:sld xmlns:a="http://schemas.openxmlformats.org/drawingml/2006/main" xmlns:r="http://schemas.openxmlformats.org/officeDocument/2006/relationships" xmlns:p="http://schemas.openxmlformats.org/presentationml/2006/main">
   <p:cSld>
     <p:spTree>
@@ -10268,7 +10405,7 @@
           <a:p>
             <a:fld id="{1BDE3FE7-3AEA-4B05-AC5A-802D1816ACF0}" type="slidenum">
               <a:rPr lang="ko-KR" altLang="en-US" smtClean="0"/>
-              <a:t>24</a:t>
+              <a:t>25</a:t>
             </a:fld>
             <a:endParaRPr lang="ko-KR" altLang="en-US"/>
           </a:p>
@@ -10499,15 +10636,7 @@
                       <a:pPr algn="l" latinLnBrk="1"/>
                       <a:r>
                         <a:rPr lang="en-US" altLang="ko-KR" sz="1800" dirty="0" smtClean="0"/>
-                        <a:t>&gt;&gt;&gt; </a:t>
-                      </a:r>
-                      <a:r>
-                        <a:rPr lang="en-US" altLang="ko-KR" sz="1800" dirty="0" smtClean="0"/>
-                        <a:t>fruit </a:t>
-                      </a:r>
-                      <a:r>
-                        <a:rPr lang="en-US" altLang="ko-KR" sz="1800" dirty="0" smtClean="0"/>
-                        <a:t>= ‘banana, grape, kiwi'</a:t>
+                        <a:t>&gt;&gt;&gt; fruit = ‘banana, grape, kiwi'</a:t>
                       </a:r>
                     </a:p>
                     <a:p>
@@ -10755,7 +10884,7 @@
 </p:sld>
 </file>
 
-<file path=ppt/slides/slide25.xml><?xml version="1.0" encoding="utf-8"?>
+<file path=ppt/slides/slide26.xml><?xml version="1.0" encoding="utf-8"?>
 <p:sld xmlns:a="http://schemas.openxmlformats.org/drawingml/2006/main" xmlns:r="http://schemas.openxmlformats.org/officeDocument/2006/relationships" xmlns:p="http://schemas.openxmlformats.org/presentationml/2006/main">
   <p:cSld>
     <p:spTree>
@@ -10832,7 +10961,7 @@
           <a:p>
             <a:fld id="{1BDE3FE7-3AEA-4B05-AC5A-802D1816ACF0}" type="slidenum">
               <a:rPr lang="ko-KR" altLang="en-US" smtClean="0"/>
-              <a:t>25</a:t>
+              <a:t>26</a:t>
             </a:fld>
             <a:endParaRPr lang="ko-KR" altLang="en-US"/>
           </a:p>
@@ -11392,7 +11521,7 @@
 </p:sld>
 </file>
 
-<file path=ppt/slides/slide26.xml><?xml version="1.0" encoding="utf-8"?>
+<file path=ppt/slides/slide27.xml><?xml version="1.0" encoding="utf-8"?>
 <p:sld xmlns:a="http://schemas.openxmlformats.org/drawingml/2006/main" xmlns:r="http://schemas.openxmlformats.org/officeDocument/2006/relationships" xmlns:p="http://schemas.openxmlformats.org/presentationml/2006/main">
   <p:cSld>
     <p:spTree>
@@ -11458,7 +11587,7 @@
           <a:p>
             <a:fld id="{1BDE3FE7-3AEA-4B05-AC5A-802D1816ACF0}" type="slidenum">
               <a:rPr lang="ko-KR" altLang="en-US" smtClean="0"/>
-              <a:t>26</a:t>
+              <a:t>27</a:t>
             </a:fld>
             <a:endParaRPr lang="ko-KR" altLang="en-US"/>
           </a:p>
@@ -12152,7 +12281,7 @@
 </p:sld>
 </file>
 
-<file path=ppt/slides/slide27.xml><?xml version="1.0" encoding="utf-8"?>
+<file path=ppt/slides/slide28.xml><?xml version="1.0" encoding="utf-8"?>
 <p:sld xmlns:a="http://schemas.openxmlformats.org/drawingml/2006/main" xmlns:r="http://schemas.openxmlformats.org/officeDocument/2006/relationships" xmlns:p="http://schemas.openxmlformats.org/presentationml/2006/main">
   <p:cSld>
     <p:spTree>
@@ -12218,7 +12347,7 @@
           <a:p>
             <a:fld id="{1BDE3FE7-3AEA-4B05-AC5A-802D1816ACF0}" type="slidenum">
               <a:rPr lang="ko-KR" altLang="en-US" smtClean="0"/>
-              <a:t>27</a:t>
+              <a:t>28</a:t>
             </a:fld>
             <a:endParaRPr lang="ko-KR" altLang="en-US"/>
           </a:p>
@@ -12499,7 +12628,7 @@
 </p:sld>
 </file>
 
-<file path=ppt/slides/slide28.xml><?xml version="1.0" encoding="utf-8"?>
+<file path=ppt/slides/slide29.xml><?xml version="1.0" encoding="utf-8"?>
 <p:sld xmlns:a="http://schemas.openxmlformats.org/drawingml/2006/main" xmlns:r="http://schemas.openxmlformats.org/officeDocument/2006/relationships" xmlns:p="http://schemas.openxmlformats.org/presentationml/2006/main">
   <p:cSld>
     <p:spTree>
@@ -12560,7 +12689,7 @@
           <a:p>
             <a:fld id="{1BDE3FE7-3AEA-4B05-AC5A-802D1816ACF0}" type="slidenum">
               <a:rPr lang="ko-KR" altLang="en-US" smtClean="0"/>
-              <a:t>28</a:t>
+              <a:t>29</a:t>
             </a:fld>
             <a:endParaRPr lang="ko-KR" altLang="en-US"/>
           </a:p>
@@ -12692,178 +12821,6 @@
     <p:extLst>
       <p:ext uri="{BB962C8B-B14F-4D97-AF65-F5344CB8AC3E}">
         <p14:creationId xmlns:p14="http://schemas.microsoft.com/office/powerpoint/2010/main" val="864044407"/>
-      </p:ext>
-    </p:extLst>
-  </p:cSld>
-  <p:clrMapOvr>
-    <a:masterClrMapping/>
-  </p:clrMapOvr>
-  <p:timing>
-    <p:tnLst>
-      <p:par>
-        <p:cTn id="1" dur="indefinite" restart="never" nodeType="tmRoot"/>
-      </p:par>
-    </p:tnLst>
-  </p:timing>
-</p:sld>
-</file>
-
-<file path=ppt/slides/slide29.xml><?xml version="1.0" encoding="utf-8"?>
-<p:sld xmlns:a="http://schemas.openxmlformats.org/drawingml/2006/main" xmlns:r="http://schemas.openxmlformats.org/officeDocument/2006/relationships" xmlns:p="http://schemas.openxmlformats.org/presentationml/2006/main">
-  <p:cSld>
-    <p:spTree>
-      <p:nvGrpSpPr>
-        <p:cNvPr id="1" name=""/>
-        <p:cNvGrpSpPr/>
-        <p:nvPr/>
-      </p:nvGrpSpPr>
-      <p:grpSpPr>
-        <a:xfrm>
-          <a:off x="0" y="0"/>
-          <a:ext cx="0" cy="0"/>
-          <a:chOff x="0" y="0"/>
-          <a:chExt cx="0" cy="0"/>
-        </a:xfrm>
-      </p:grpSpPr>
-      <p:sp>
-        <p:nvSpPr>
-          <p:cNvPr id="2" name="제목 1"/>
-          <p:cNvSpPr>
-            <a:spLocks noGrp="1"/>
-          </p:cNvSpPr>
-          <p:nvPr>
-            <p:ph type="title"/>
-          </p:nvPr>
-        </p:nvSpPr>
-        <p:spPr/>
-        <p:txBody>
-          <a:bodyPr/>
-          <a:lstStyle/>
-          <a:p>
-            <a:r>
-              <a:rPr lang="en-US" altLang="ko-KR" dirty="0"/>
-              <a:t> </a:t>
-            </a:r>
-            <a:r>
-              <a:rPr lang="ko-KR" altLang="en-US" dirty="0" smtClean="0"/>
-              <a:t>문자열 함수 </a:t>
-            </a:r>
-            <a:endParaRPr lang="ko-KR" altLang="en-US" dirty="0"/>
-          </a:p>
-        </p:txBody>
-      </p:sp>
-      <p:sp>
-        <p:nvSpPr>
-          <p:cNvPr id="4" name="슬라이드 번호 개체 틀 3"/>
-          <p:cNvSpPr>
-            <a:spLocks noGrp="1"/>
-          </p:cNvSpPr>
-          <p:nvPr>
-            <p:ph type="sldNum" sz="quarter" idx="12"/>
-          </p:nvPr>
-        </p:nvSpPr>
-        <p:spPr/>
-        <p:txBody>
-          <a:bodyPr/>
-          <a:lstStyle/>
-          <a:p>
-            <a:fld id="{1BDE3FE7-3AEA-4B05-AC5A-802D1816ACF0}" type="slidenum">
-              <a:rPr lang="ko-KR" altLang="en-US" smtClean="0"/>
-              <a:t>29</a:t>
-            </a:fld>
-            <a:endParaRPr lang="ko-KR" altLang="en-US"/>
-          </a:p>
-        </p:txBody>
-      </p:sp>
-      <p:sp>
-        <p:nvSpPr>
-          <p:cNvPr id="10" name="직사각형 9"/>
-          <p:cNvSpPr/>
-          <p:nvPr/>
-        </p:nvSpPr>
-        <p:spPr>
-          <a:xfrm>
-            <a:off x="1064568" y="1340768"/>
-            <a:ext cx="4896543" cy="553998"/>
-          </a:xfrm>
-          <a:prstGeom prst="rect">
-            <a:avLst/>
-          </a:prstGeom>
-        </p:spPr>
-        <p:txBody>
-          <a:bodyPr wrap="square">
-            <a:spAutoFit/>
-          </a:bodyPr>
-          <a:lstStyle/>
-          <a:p>
-            <a:pPr marL="342900" indent="-342900">
-              <a:lnSpc>
-                <a:spcPct val="150000"/>
-              </a:lnSpc>
-              <a:buFont typeface="Wingdings" panose="05000000000000000000" pitchFamily="2" charset="2"/>
-              <a:buChar char="§"/>
-            </a:pPr>
-            <a:r>
-              <a:rPr lang="en-US" altLang="ko-KR" sz="2000" b="1" dirty="0" smtClean="0"/>
-              <a:t>find() </a:t>
-            </a:r>
-            <a:r>
-              <a:rPr lang="ko-KR" altLang="en-US" sz="2000" b="1" dirty="0" smtClean="0"/>
-              <a:t>함수 </a:t>
-            </a:r>
-            <a:r>
-              <a:rPr lang="en-US" altLang="ko-KR" sz="2000" b="1" dirty="0" smtClean="0"/>
-              <a:t>– </a:t>
-            </a:r>
-            <a:r>
-              <a:rPr lang="ko-KR" altLang="en-US" sz="2000" b="1" dirty="0" smtClean="0"/>
-              <a:t>공백 문자 제거</a:t>
-            </a:r>
-            <a:endParaRPr lang="en-US" altLang="ko-KR" sz="2000" b="1" dirty="0"/>
-          </a:p>
-        </p:txBody>
-      </p:sp>
-      <p:pic>
-        <p:nvPicPr>
-          <p:cNvPr id="6" name="그림 5"/>
-          <p:cNvPicPr>
-            <a:picLocks noChangeAspect="1"/>
-          </p:cNvPicPr>
-          <p:nvPr/>
-        </p:nvPicPr>
-        <p:blipFill>
-          <a:blip r:embed="rId2">
-            <a:extLst>
-              <a:ext uri="{28A0092B-C50C-407E-A947-70E740481C1C}">
-                <a14:useLocalDpi xmlns:a14="http://schemas.microsoft.com/office/drawing/2010/main" val="0"/>
-              </a:ext>
-            </a:extLst>
-          </a:blip>
-          <a:stretch>
-            <a:fillRect/>
-          </a:stretch>
-        </p:blipFill>
-        <p:spPr>
-          <a:xfrm>
-            <a:off x="1568624" y="2060848"/>
-            <a:ext cx="5014395" cy="2972058"/>
-          </a:xfrm>
-          <a:prstGeom prst="rect">
-            <a:avLst/>
-          </a:prstGeom>
-          <a:ln>
-            <a:solidFill>
-              <a:schemeClr val="bg1">
-                <a:lumMod val="85000"/>
-              </a:schemeClr>
-            </a:solidFill>
-          </a:ln>
-        </p:spPr>
-      </p:pic>
-    </p:spTree>
-    <p:extLst>
-      <p:ext uri="{BB962C8B-B14F-4D97-AF65-F5344CB8AC3E}">
-        <p14:creationId xmlns:p14="http://schemas.microsoft.com/office/powerpoint/2010/main" val="1026528893"/>
       </p:ext>
     </p:extLst>
   </p:cSld>
@@ -14281,15 +14238,7 @@
             </a:r>
             <a:r>
               <a:rPr lang="ko-KR" altLang="en-US" dirty="0" smtClean="0"/>
-              <a:t>문자열 함</a:t>
-            </a:r>
-            <a:r>
-              <a:rPr lang="ko-KR" altLang="en-US" dirty="0"/>
-              <a:t>수</a:t>
-            </a:r>
-            <a:r>
-              <a:rPr lang="ko-KR" altLang="en-US" dirty="0" smtClean="0"/>
-              <a:t> </a:t>
+              <a:t>문자열 함수 </a:t>
             </a:r>
             <a:endParaRPr lang="ko-KR" altLang="en-US" dirty="0"/>
           </a:p>
@@ -14313,6 +14262,186 @@
             <a:fld id="{1BDE3FE7-3AEA-4B05-AC5A-802D1816ACF0}" type="slidenum">
               <a:rPr lang="ko-KR" altLang="en-US" smtClean="0"/>
               <a:t>30</a:t>
+            </a:fld>
+            <a:endParaRPr lang="ko-KR" altLang="en-US"/>
+          </a:p>
+        </p:txBody>
+      </p:sp>
+      <p:sp>
+        <p:nvSpPr>
+          <p:cNvPr id="10" name="직사각형 9"/>
+          <p:cNvSpPr/>
+          <p:nvPr/>
+        </p:nvSpPr>
+        <p:spPr>
+          <a:xfrm>
+            <a:off x="1064568" y="1340768"/>
+            <a:ext cx="4896543" cy="553998"/>
+          </a:xfrm>
+          <a:prstGeom prst="rect">
+            <a:avLst/>
+          </a:prstGeom>
+        </p:spPr>
+        <p:txBody>
+          <a:bodyPr wrap="square">
+            <a:spAutoFit/>
+          </a:bodyPr>
+          <a:lstStyle/>
+          <a:p>
+            <a:pPr marL="342900" indent="-342900">
+              <a:lnSpc>
+                <a:spcPct val="150000"/>
+              </a:lnSpc>
+              <a:buFont typeface="Wingdings" panose="05000000000000000000" pitchFamily="2" charset="2"/>
+              <a:buChar char="§"/>
+            </a:pPr>
+            <a:r>
+              <a:rPr lang="en-US" altLang="ko-KR" sz="2000" b="1" dirty="0" smtClean="0"/>
+              <a:t>find() </a:t>
+            </a:r>
+            <a:r>
+              <a:rPr lang="ko-KR" altLang="en-US" sz="2000" b="1" dirty="0" smtClean="0"/>
+              <a:t>함수 </a:t>
+            </a:r>
+            <a:r>
+              <a:rPr lang="en-US" altLang="ko-KR" sz="2000" b="1" dirty="0" smtClean="0"/>
+              <a:t>– </a:t>
+            </a:r>
+            <a:r>
+              <a:rPr lang="ko-KR" altLang="en-US" sz="2000" b="1" dirty="0" smtClean="0"/>
+              <a:t>공백 문자 제거</a:t>
+            </a:r>
+            <a:endParaRPr lang="en-US" altLang="ko-KR" sz="2000" b="1" dirty="0"/>
+          </a:p>
+        </p:txBody>
+      </p:sp>
+      <p:pic>
+        <p:nvPicPr>
+          <p:cNvPr id="6" name="그림 5"/>
+          <p:cNvPicPr>
+            <a:picLocks noChangeAspect="1"/>
+          </p:cNvPicPr>
+          <p:nvPr/>
+        </p:nvPicPr>
+        <p:blipFill>
+          <a:blip r:embed="rId2">
+            <a:extLst>
+              <a:ext uri="{28A0092B-C50C-407E-A947-70E740481C1C}">
+                <a14:useLocalDpi xmlns:a14="http://schemas.microsoft.com/office/drawing/2010/main" val="0"/>
+              </a:ext>
+            </a:extLst>
+          </a:blip>
+          <a:stretch>
+            <a:fillRect/>
+          </a:stretch>
+        </p:blipFill>
+        <p:spPr>
+          <a:xfrm>
+            <a:off x="1568624" y="2060848"/>
+            <a:ext cx="5014395" cy="2972058"/>
+          </a:xfrm>
+          <a:prstGeom prst="rect">
+            <a:avLst/>
+          </a:prstGeom>
+          <a:ln>
+            <a:solidFill>
+              <a:schemeClr val="bg1">
+                <a:lumMod val="85000"/>
+              </a:schemeClr>
+            </a:solidFill>
+          </a:ln>
+        </p:spPr>
+      </p:pic>
+    </p:spTree>
+    <p:extLst>
+      <p:ext uri="{BB962C8B-B14F-4D97-AF65-F5344CB8AC3E}">
+        <p14:creationId xmlns:p14="http://schemas.microsoft.com/office/powerpoint/2010/main" val="1026528893"/>
+      </p:ext>
+    </p:extLst>
+  </p:cSld>
+  <p:clrMapOvr>
+    <a:masterClrMapping/>
+  </p:clrMapOvr>
+  <p:timing>
+    <p:tnLst>
+      <p:par>
+        <p:cTn id="1" dur="indefinite" restart="never" nodeType="tmRoot"/>
+      </p:par>
+    </p:tnLst>
+  </p:timing>
+</p:sld>
+</file>
+
+<file path=ppt/slides/slide31.xml><?xml version="1.0" encoding="utf-8"?>
+<p:sld xmlns:a="http://schemas.openxmlformats.org/drawingml/2006/main" xmlns:r="http://schemas.openxmlformats.org/officeDocument/2006/relationships" xmlns:p="http://schemas.openxmlformats.org/presentationml/2006/main">
+  <p:cSld>
+    <p:spTree>
+      <p:nvGrpSpPr>
+        <p:cNvPr id="1" name=""/>
+        <p:cNvGrpSpPr/>
+        <p:nvPr/>
+      </p:nvGrpSpPr>
+      <p:grpSpPr>
+        <a:xfrm>
+          <a:off x="0" y="0"/>
+          <a:ext cx="0" cy="0"/>
+          <a:chOff x="0" y="0"/>
+          <a:chExt cx="0" cy="0"/>
+        </a:xfrm>
+      </p:grpSpPr>
+      <p:sp>
+        <p:nvSpPr>
+          <p:cNvPr id="2" name="제목 1"/>
+          <p:cNvSpPr>
+            <a:spLocks noGrp="1"/>
+          </p:cNvSpPr>
+          <p:nvPr>
+            <p:ph type="title"/>
+          </p:nvPr>
+        </p:nvSpPr>
+        <p:spPr/>
+        <p:txBody>
+          <a:bodyPr/>
+          <a:lstStyle/>
+          <a:p>
+            <a:r>
+              <a:rPr lang="en-US" altLang="ko-KR" dirty="0"/>
+              <a:t> </a:t>
+            </a:r>
+            <a:r>
+              <a:rPr lang="ko-KR" altLang="en-US" dirty="0" smtClean="0"/>
+              <a:t>문자열 함</a:t>
+            </a:r>
+            <a:r>
+              <a:rPr lang="ko-KR" altLang="en-US" dirty="0"/>
+              <a:t>수</a:t>
+            </a:r>
+            <a:r>
+              <a:rPr lang="ko-KR" altLang="en-US" dirty="0" smtClean="0"/>
+              <a:t> </a:t>
+            </a:r>
+            <a:endParaRPr lang="ko-KR" altLang="en-US" dirty="0"/>
+          </a:p>
+        </p:txBody>
+      </p:sp>
+      <p:sp>
+        <p:nvSpPr>
+          <p:cNvPr id="4" name="슬라이드 번호 개체 틀 3"/>
+          <p:cNvSpPr>
+            <a:spLocks noGrp="1"/>
+          </p:cNvSpPr>
+          <p:nvPr>
+            <p:ph type="sldNum" sz="quarter" idx="12"/>
+          </p:nvPr>
+        </p:nvSpPr>
+        <p:spPr/>
+        <p:txBody>
+          <a:bodyPr/>
+          <a:lstStyle/>
+          <a:p>
+            <a:fld id="{1BDE3FE7-3AEA-4B05-AC5A-802D1816ACF0}" type="slidenum">
+              <a:rPr lang="ko-KR" altLang="en-US" smtClean="0"/>
+              <a:t>31</a:t>
             </a:fld>
             <a:endParaRPr lang="ko-KR" altLang="en-US"/>
           </a:p>
@@ -14458,7 +14587,7 @@
 </p:sld>
 </file>
 
-<file path=ppt/slides/slide31.xml><?xml version="1.0" encoding="utf-8"?>
+<file path=ppt/slides/slide32.xml><?xml version="1.0" encoding="utf-8"?>
 <p:sld xmlns:a="http://schemas.openxmlformats.org/drawingml/2006/main" xmlns:r="http://schemas.openxmlformats.org/officeDocument/2006/relationships" xmlns:p="http://schemas.openxmlformats.org/presentationml/2006/main">
   <p:cSld>
     <p:spTree>
@@ -14527,7 +14656,7 @@
           <a:p>
             <a:fld id="{1BDE3FE7-3AEA-4B05-AC5A-802D1816ACF0}" type="slidenum">
               <a:rPr lang="ko-KR" altLang="en-US" smtClean="0"/>
-              <a:t>31</a:t>
+              <a:t>32</a:t>
             </a:fld>
             <a:endParaRPr lang="ko-KR" altLang="en-US"/>
           </a:p>
@@ -14739,7 +14868,7 @@
 </p:sld>
 </file>
 
-<file path=ppt/slides/slide32.xml><?xml version="1.0" encoding="utf-8"?>
+<file path=ppt/slides/slide33.xml><?xml version="1.0" encoding="utf-8"?>
 <p:sld xmlns:a="http://schemas.openxmlformats.org/drawingml/2006/main" xmlns:r="http://schemas.openxmlformats.org/officeDocument/2006/relationships" xmlns:p="http://schemas.openxmlformats.org/presentationml/2006/main">
   <p:cSld>
     <p:spTree>
@@ -14808,7 +14937,7 @@
           <a:p>
             <a:fld id="{1BDE3FE7-3AEA-4B05-AC5A-802D1816ACF0}" type="slidenum">
               <a:rPr lang="ko-KR" altLang="en-US" smtClean="0"/>
-              <a:t>32</a:t>
+              <a:t>33</a:t>
             </a:fld>
             <a:endParaRPr lang="ko-KR" altLang="en-US"/>
           </a:p>
@@ -15275,7 +15404,7 @@
 </p:sld>
 </file>
 
-<file path=ppt/slides/slide33.xml><?xml version="1.0" encoding="utf-8"?>
+<file path=ppt/slides/slide34.xml><?xml version="1.0" encoding="utf-8"?>
 <p:sld xmlns:a="http://schemas.openxmlformats.org/drawingml/2006/main" xmlns:r="http://schemas.openxmlformats.org/officeDocument/2006/relationships" xmlns:p="http://schemas.openxmlformats.org/presentationml/2006/main">
   <p:cSld>
     <p:spTree>
@@ -15344,7 +15473,7 @@
           <a:p>
             <a:fld id="{1BDE3FE7-3AEA-4B05-AC5A-802D1816ACF0}" type="slidenum">
               <a:rPr lang="ko-KR" altLang="en-US" smtClean="0"/>
-              <a:t>33</a:t>
+              <a:t>34</a:t>
             </a:fld>
             <a:endParaRPr lang="ko-KR" altLang="en-US"/>
           </a:p>
@@ -15729,7 +15858,7 @@
 </p:sld>
 </file>
 
-<file path=ppt/slides/slide34.xml><?xml version="1.0" encoding="utf-8"?>
+<file path=ppt/slides/slide35.xml><?xml version="1.0" encoding="utf-8"?>
 <p:sld xmlns:a="http://schemas.openxmlformats.org/drawingml/2006/main" xmlns:r="http://schemas.openxmlformats.org/officeDocument/2006/relationships" xmlns:p="http://schemas.openxmlformats.org/presentationml/2006/main">
   <p:cSld>
     <p:spTree>
@@ -15798,7 +15927,7 @@
           <a:p>
             <a:fld id="{1BDE3FE7-3AEA-4B05-AC5A-802D1816ACF0}" type="slidenum">
               <a:rPr lang="ko-KR" altLang="en-US" smtClean="0"/>
-              <a:t>34</a:t>
+              <a:t>35</a:t>
             </a:fld>
             <a:endParaRPr lang="ko-KR" altLang="en-US"/>
           </a:p>
@@ -15965,7 +16094,7 @@
 </p:sld>
 </file>
 
-<file path=ppt/slides/slide35.xml><?xml version="1.0" encoding="utf-8"?>
+<file path=ppt/slides/slide36.xml><?xml version="1.0" encoding="utf-8"?>
 <p:sld xmlns:a="http://schemas.openxmlformats.org/drawingml/2006/main" xmlns:r="http://schemas.openxmlformats.org/officeDocument/2006/relationships" xmlns:p="http://schemas.openxmlformats.org/presentationml/2006/main">
   <p:cSld>
     <p:spTree>
@@ -16034,7 +16163,7 @@
           <a:p>
             <a:fld id="{1BDE3FE7-3AEA-4B05-AC5A-802D1816ACF0}" type="slidenum">
               <a:rPr lang="ko-KR" altLang="en-US" smtClean="0"/>
-              <a:t>35</a:t>
+              <a:t>36</a:t>
             </a:fld>
             <a:endParaRPr lang="ko-KR" altLang="en-US"/>
           </a:p>
@@ -16208,7 +16337,7 @@
 </p:sld>
 </file>
 
-<file path=ppt/slides/slide36.xml><?xml version="1.0" encoding="utf-8"?>
+<file path=ppt/slides/slide37.xml><?xml version="1.0" encoding="utf-8"?>
 <p:sld xmlns:a="http://schemas.openxmlformats.org/drawingml/2006/main" xmlns:r="http://schemas.openxmlformats.org/officeDocument/2006/relationships" xmlns:p="http://schemas.openxmlformats.org/presentationml/2006/main">
   <p:cSld>
     <p:spTree>
@@ -16277,7 +16406,7 @@
           <a:p>
             <a:fld id="{1BDE3FE7-3AEA-4B05-AC5A-802D1816ACF0}" type="slidenum">
               <a:rPr lang="ko-KR" altLang="en-US" smtClean="0"/>
-              <a:t>36</a:t>
+              <a:t>37</a:t>
             </a:fld>
             <a:endParaRPr lang="ko-KR" altLang="en-US"/>
           </a:p>
@@ -16414,7 +16543,7 @@
 </p:sld>
 </file>
 
-<file path=ppt/slides/slide37.xml><?xml version="1.0" encoding="utf-8"?>
+<file path=ppt/slides/slide38.xml><?xml version="1.0" encoding="utf-8"?>
 <p:sld xmlns:a="http://schemas.openxmlformats.org/drawingml/2006/main" xmlns:r="http://schemas.openxmlformats.org/officeDocument/2006/relationships" xmlns:p="http://schemas.openxmlformats.org/presentationml/2006/main">
   <p:cSld>
     <p:spTree>
@@ -16483,7 +16612,7 @@
           <a:p>
             <a:fld id="{1BDE3FE7-3AEA-4B05-AC5A-802D1816ACF0}" type="slidenum">
               <a:rPr lang="ko-KR" altLang="en-US" smtClean="0"/>
-              <a:t>37</a:t>
+              <a:t>38</a:t>
             </a:fld>
             <a:endParaRPr lang="ko-KR" altLang="en-US"/>
           </a:p>
@@ -16612,7 +16741,7 @@
 </p:sld>
 </file>
 
-<file path=ppt/slides/slide38.xml><?xml version="1.0" encoding="utf-8"?>
+<file path=ppt/slides/slide39.xml><?xml version="1.0" encoding="utf-8"?>
 <p:sld xmlns:a="http://schemas.openxmlformats.org/drawingml/2006/main" xmlns:r="http://schemas.openxmlformats.org/officeDocument/2006/relationships" xmlns:p="http://schemas.openxmlformats.org/presentationml/2006/main">
   <p:cSld>
     <p:spTree>
@@ -16681,7 +16810,7 @@
           <a:p>
             <a:fld id="{1BDE3FE7-3AEA-4B05-AC5A-802D1816ACF0}" type="slidenum">
               <a:rPr lang="ko-KR" altLang="en-US" smtClean="0"/>
-              <a:t>38</a:t>
+              <a:t>39</a:t>
             </a:fld>
             <a:endParaRPr lang="ko-KR" altLang="en-US"/>
           </a:p>
@@ -16810,7 +16939,7 @@
 </p:sld>
 </file>
 
-<file path=ppt/slides/slide39.xml><?xml version="1.0" encoding="utf-8"?>
+<file path=ppt/slides/slide4.xml><?xml version="1.0" encoding="utf-8"?>
 <p:sld xmlns:a="http://schemas.openxmlformats.org/drawingml/2006/main" xmlns:r="http://schemas.openxmlformats.org/officeDocument/2006/relationships" xmlns:p="http://schemas.openxmlformats.org/presentationml/2006/main">
   <p:cSld>
     <p:spTree>
@@ -16837,24 +16966,35 @@
             <p:ph type="title"/>
           </p:nvPr>
         </p:nvSpPr>
-        <p:spPr/>
-        <p:txBody>
-          <a:bodyPr/>
-          <a:lstStyle/>
-          <a:p>
-            <a:r>
-              <a:rPr lang="en-US" altLang="ko-KR" dirty="0"/>
-              <a:t> </a:t>
-            </a:r>
-            <a:r>
-              <a:rPr lang="ko-KR" altLang="en-US" dirty="0" err="1" smtClean="0"/>
-              <a:t>튜플</a:t>
-            </a:r>
-            <a:r>
-              <a:rPr lang="en-US" altLang="ko-KR" dirty="0" smtClean="0"/>
-              <a:t>(tuple)</a:t>
-            </a:r>
-            <a:endParaRPr lang="ko-KR" altLang="en-US" dirty="0"/>
+        <p:spPr>
+          <a:xfrm>
+            <a:off x="416497" y="197768"/>
+            <a:ext cx="6412780" cy="854968"/>
+          </a:xfrm>
+        </p:spPr>
+        <p:txBody>
+          <a:bodyPr>
+            <a:noAutofit/>
+          </a:bodyPr>
+          <a:lstStyle/>
+          <a:p>
+            <a:r>
+              <a:rPr lang="ko-KR" altLang="en-US" sz="2800" dirty="0" smtClean="0"/>
+              <a:t>   리스트</a:t>
+            </a:r>
+            <a:r>
+              <a:rPr lang="en-US" altLang="ko-KR" sz="2800" dirty="0" smtClean="0"/>
+              <a:t>(list)</a:t>
+            </a:r>
+            <a:r>
+              <a:rPr lang="ko-KR" altLang="en-US" sz="2800" dirty="0" smtClean="0"/>
+              <a:t>란</a:t>
+            </a:r>
+            <a:r>
+              <a:rPr lang="en-US" altLang="ko-KR" sz="2800" dirty="0" smtClean="0"/>
+              <a:t>?</a:t>
+            </a:r>
+            <a:endParaRPr lang="ko-KR" altLang="en-US" sz="2800" dirty="0"/>
           </a:p>
         </p:txBody>
       </p:sp>
@@ -16875,7 +17015,409 @@
           <a:p>
             <a:fld id="{1BDE3FE7-3AEA-4B05-AC5A-802D1816ACF0}" type="slidenum">
               <a:rPr lang="ko-KR" altLang="en-US" smtClean="0"/>
-              <a:t>39</a:t>
+              <a:t>4</a:t>
+            </a:fld>
+            <a:endParaRPr lang="ko-KR" altLang="en-US"/>
+          </a:p>
+        </p:txBody>
+      </p:sp>
+      <p:sp>
+        <p:nvSpPr>
+          <p:cNvPr id="25" name="직사각형 24"/>
+          <p:cNvSpPr/>
+          <p:nvPr/>
+        </p:nvSpPr>
+        <p:spPr>
+          <a:xfrm>
+            <a:off x="1028564" y="3293983"/>
+            <a:ext cx="2628292" cy="494494"/>
+          </a:xfrm>
+          <a:prstGeom prst="rect">
+            <a:avLst/>
+          </a:prstGeom>
+        </p:spPr>
+        <p:txBody>
+          <a:bodyPr wrap="square">
+            <a:spAutoFit/>
+          </a:bodyPr>
+          <a:lstStyle/>
+          <a:p>
+            <a:pPr>
+              <a:lnSpc>
+                <a:spcPct val="150000"/>
+              </a:lnSpc>
+            </a:pPr>
+            <a:r>
+              <a:rPr lang="ko-KR" altLang="en-US" sz="2000" b="1" dirty="0" smtClean="0"/>
+              <a:t>리스</a:t>
+            </a:r>
+            <a:r>
+              <a:rPr lang="ko-KR" altLang="en-US" sz="2000" b="1" dirty="0"/>
+              <a:t>트</a:t>
+            </a:r>
+            <a:r>
+              <a:rPr lang="ko-KR" altLang="en-US" sz="2000" b="1" dirty="0" smtClean="0"/>
+              <a:t>의 생성 </a:t>
+            </a:r>
+            <a:endParaRPr lang="en-US" altLang="ko-KR" sz="2000" b="1" dirty="0" smtClean="0"/>
+          </a:p>
+        </p:txBody>
+      </p:sp>
+      <p:sp>
+        <p:nvSpPr>
+          <p:cNvPr id="27" name="직사각형 26"/>
+          <p:cNvSpPr/>
+          <p:nvPr/>
+        </p:nvSpPr>
+        <p:spPr>
+          <a:xfrm>
+            <a:off x="1246210" y="3870047"/>
+            <a:ext cx="6443094" cy="1431161"/>
+          </a:xfrm>
+          <a:prstGeom prst="rect">
+            <a:avLst/>
+          </a:prstGeom>
+        </p:spPr>
+        <p:txBody>
+          <a:bodyPr wrap="square">
+            <a:spAutoFit/>
+          </a:bodyPr>
+          <a:lstStyle/>
+          <a:p>
+            <a:pPr>
+              <a:lnSpc>
+                <a:spcPct val="150000"/>
+              </a:lnSpc>
+            </a:pPr>
+            <a:r>
+              <a:rPr lang="en-US" altLang="ko-KR" dirty="0" smtClean="0"/>
+              <a:t> </a:t>
+            </a:r>
+            <a:r>
+              <a:rPr lang="ko-KR" altLang="en-US" dirty="0" smtClean="0"/>
+              <a:t>리스트 이름 </a:t>
+            </a:r>
+            <a:r>
+              <a:rPr lang="en-US" altLang="ko-KR" dirty="0" smtClean="0"/>
+              <a:t>= [ </a:t>
+            </a:r>
+            <a:r>
+              <a:rPr lang="ko-KR" altLang="en-US" dirty="0" smtClean="0"/>
+              <a:t>요</a:t>
+            </a:r>
+            <a:r>
+              <a:rPr lang="ko-KR" altLang="en-US" dirty="0"/>
+              <a:t>소</a:t>
+            </a:r>
+            <a:r>
+              <a:rPr lang="en-US" altLang="ko-KR" dirty="0" smtClean="0"/>
+              <a:t>1, </a:t>
+            </a:r>
+            <a:r>
+              <a:rPr lang="ko-KR" altLang="en-US" dirty="0" smtClean="0"/>
+              <a:t>요</a:t>
+            </a:r>
+            <a:r>
+              <a:rPr lang="ko-KR" altLang="en-US" dirty="0"/>
+              <a:t>소</a:t>
+            </a:r>
+            <a:r>
+              <a:rPr lang="en-US" altLang="ko-KR" dirty="0" smtClean="0"/>
+              <a:t>2, </a:t>
+            </a:r>
+            <a:r>
+              <a:rPr lang="ko-KR" altLang="en-US" dirty="0" smtClean="0"/>
+              <a:t>요</a:t>
+            </a:r>
+            <a:r>
+              <a:rPr lang="ko-KR" altLang="en-US" dirty="0"/>
+              <a:t>소</a:t>
+            </a:r>
+            <a:r>
+              <a:rPr lang="en-US" altLang="ko-KR" dirty="0" smtClean="0"/>
+              <a:t>3…  ]</a:t>
+            </a:r>
+          </a:p>
+          <a:p>
+            <a:pPr>
+              <a:lnSpc>
+                <a:spcPct val="150000"/>
+              </a:lnSpc>
+            </a:pPr>
+            <a:r>
+              <a:rPr lang="en-US" altLang="ko-KR" sz="2000" dirty="0"/>
+              <a:t> </a:t>
+            </a:r>
+            <a:r>
+              <a:rPr lang="en-US" altLang="ko-KR" sz="2000" dirty="0" smtClean="0"/>
+              <a:t>season = [“</a:t>
+            </a:r>
+            <a:r>
+              <a:rPr lang="ko-KR" altLang="en-US" sz="2000" dirty="0" smtClean="0"/>
+              <a:t>봄</a:t>
+            </a:r>
+            <a:r>
+              <a:rPr lang="en-US" altLang="ko-KR" sz="2000" dirty="0" smtClean="0"/>
+              <a:t>”, “</a:t>
+            </a:r>
+            <a:r>
+              <a:rPr lang="ko-KR" altLang="en-US" sz="2000" dirty="0" smtClean="0"/>
+              <a:t>여름</a:t>
+            </a:r>
+            <a:r>
+              <a:rPr lang="en-US" altLang="ko-KR" sz="2000" dirty="0" smtClean="0"/>
+              <a:t>”, “</a:t>
+            </a:r>
+            <a:r>
+              <a:rPr lang="ko-KR" altLang="en-US" sz="2000" dirty="0" smtClean="0"/>
+              <a:t>가을</a:t>
+            </a:r>
+            <a:r>
+              <a:rPr lang="en-US" altLang="ko-KR" sz="2000" dirty="0" smtClean="0"/>
+              <a:t>”, “</a:t>
+            </a:r>
+            <a:r>
+              <a:rPr lang="ko-KR" altLang="en-US" sz="2000" dirty="0" smtClean="0"/>
+              <a:t>겨울</a:t>
+            </a:r>
+            <a:r>
+              <a:rPr lang="en-US" altLang="ko-KR" sz="2000" dirty="0" smtClean="0"/>
+              <a:t>”]</a:t>
+            </a:r>
+          </a:p>
+          <a:p>
+            <a:pPr>
+              <a:lnSpc>
+                <a:spcPct val="150000"/>
+              </a:lnSpc>
+            </a:pPr>
+            <a:r>
+              <a:rPr lang="en-US" altLang="ko-KR" sz="2000" dirty="0"/>
+              <a:t> </a:t>
+            </a:r>
+            <a:r>
+              <a:rPr lang="en-US" altLang="ko-KR" sz="2000" dirty="0" smtClean="0"/>
+              <a:t>number = [ 1. 2, 3, 4, 5]</a:t>
+            </a:r>
+            <a:endParaRPr lang="en-US" altLang="ko-KR" sz="2000" dirty="0"/>
+          </a:p>
+        </p:txBody>
+      </p:sp>
+      <p:sp>
+        <p:nvSpPr>
+          <p:cNvPr id="28" name="TextBox 27"/>
+          <p:cNvSpPr txBox="1"/>
+          <p:nvPr/>
+        </p:nvSpPr>
+        <p:spPr>
+          <a:xfrm>
+            <a:off x="992560" y="1405225"/>
+            <a:ext cx="8352928" cy="1431161"/>
+          </a:xfrm>
+          <a:prstGeom prst="rect">
+            <a:avLst/>
+          </a:prstGeom>
+          <a:noFill/>
+        </p:spPr>
+        <p:txBody>
+          <a:bodyPr wrap="square" rtlCol="0">
+            <a:spAutoFit/>
+          </a:bodyPr>
+          <a:lstStyle/>
+          <a:p>
+            <a:pPr>
+              <a:lnSpc>
+                <a:spcPct val="150000"/>
+              </a:lnSpc>
+            </a:pPr>
+            <a:r>
+              <a:rPr lang="ko-KR" altLang="en-US" sz="2000" b="1" dirty="0" smtClean="0"/>
+              <a:t>리스트</a:t>
+            </a:r>
+            <a:r>
+              <a:rPr lang="en-US" altLang="ko-KR" sz="2000" b="1" dirty="0" smtClean="0"/>
+              <a:t>(list)</a:t>
+            </a:r>
+            <a:r>
+              <a:rPr lang="ko-KR" altLang="en-US" sz="2000" b="1" dirty="0" smtClean="0"/>
+              <a:t>란</a:t>
+            </a:r>
+            <a:r>
+              <a:rPr lang="en-US" altLang="ko-KR" sz="2000" b="1" dirty="0" smtClean="0"/>
+              <a:t>?</a:t>
+            </a:r>
+          </a:p>
+          <a:p>
+            <a:pPr>
+              <a:lnSpc>
+                <a:spcPct val="150000"/>
+              </a:lnSpc>
+            </a:pPr>
+            <a:r>
+              <a:rPr lang="en-US" altLang="ko-KR" sz="2000" b="1" dirty="0"/>
+              <a:t> </a:t>
+            </a:r>
+            <a:r>
+              <a:rPr lang="en-US" altLang="ko-KR" sz="2000" b="1" dirty="0" smtClean="0"/>
+              <a:t>  </a:t>
+            </a:r>
+            <a:r>
+              <a:rPr lang="en-US" altLang="ko-KR" dirty="0" smtClean="0"/>
+              <a:t>- </a:t>
+            </a:r>
+            <a:r>
+              <a:rPr lang="ko-KR" altLang="en-US" dirty="0"/>
+              <a:t>여러 개의 연속적인 값을 저장하고자 할 때 사용하는 </a:t>
+            </a:r>
+            <a:r>
+              <a:rPr lang="ko-KR" altLang="en-US" dirty="0" err="1"/>
+              <a:t>자료형이다</a:t>
+            </a:r>
+            <a:r>
+              <a:rPr lang="en-US" altLang="ko-KR" dirty="0" smtClean="0"/>
+              <a:t>.</a:t>
+            </a:r>
+          </a:p>
+          <a:p>
+            <a:pPr>
+              <a:lnSpc>
+                <a:spcPct val="150000"/>
+              </a:lnSpc>
+            </a:pPr>
+            <a:r>
+              <a:rPr lang="en-US" altLang="ko-KR" dirty="0"/>
+              <a:t> </a:t>
+            </a:r>
+            <a:r>
+              <a:rPr lang="en-US" altLang="ko-KR" dirty="0" smtClean="0"/>
+              <a:t>  - </a:t>
+            </a:r>
+            <a:r>
+              <a:rPr lang="ko-KR" altLang="en-US" dirty="0" smtClean="0">
+                <a:solidFill>
+                  <a:srgbClr val="C00000"/>
+                </a:solidFill>
+              </a:rPr>
+              <a:t>변수는 </a:t>
+            </a:r>
+            <a:r>
+              <a:rPr lang="en-US" altLang="ko-KR" dirty="0" smtClean="0">
+                <a:solidFill>
+                  <a:srgbClr val="C00000"/>
+                </a:solidFill>
+              </a:rPr>
+              <a:t>1</a:t>
+            </a:r>
+            <a:r>
+              <a:rPr lang="ko-KR" altLang="en-US" dirty="0" smtClean="0">
+                <a:solidFill>
+                  <a:srgbClr val="C00000"/>
+                </a:solidFill>
+              </a:rPr>
+              <a:t>개의 값만을 저장하고 변경할 수 있다</a:t>
+            </a:r>
+            <a:r>
+              <a:rPr lang="en-US" altLang="ko-KR" b="1" dirty="0" smtClean="0">
+                <a:solidFill>
+                  <a:srgbClr val="C00000"/>
+                </a:solidFill>
+              </a:rPr>
+              <a:t>.</a:t>
+            </a:r>
+            <a:endParaRPr lang="en-US" altLang="ko-KR" b="1" dirty="0">
+              <a:solidFill>
+                <a:srgbClr val="C00000"/>
+              </a:solidFill>
+            </a:endParaRPr>
+          </a:p>
+        </p:txBody>
+      </p:sp>
+    </p:spTree>
+    <p:extLst>
+      <p:ext uri="{BB962C8B-B14F-4D97-AF65-F5344CB8AC3E}">
+        <p14:creationId xmlns:p14="http://schemas.microsoft.com/office/powerpoint/2010/main" val="1239292542"/>
+      </p:ext>
+    </p:extLst>
+  </p:cSld>
+  <p:clrMapOvr>
+    <a:masterClrMapping/>
+  </p:clrMapOvr>
+  <p:timing>
+    <p:tnLst>
+      <p:par>
+        <p:cTn id="1" dur="indefinite" restart="never" nodeType="tmRoot"/>
+      </p:par>
+    </p:tnLst>
+  </p:timing>
+</p:sld>
+</file>
+
+<file path=ppt/slides/slide40.xml><?xml version="1.0" encoding="utf-8"?>
+<p:sld xmlns:a="http://schemas.openxmlformats.org/drawingml/2006/main" xmlns:r="http://schemas.openxmlformats.org/officeDocument/2006/relationships" xmlns:p="http://schemas.openxmlformats.org/presentationml/2006/main">
+  <p:cSld>
+    <p:spTree>
+      <p:nvGrpSpPr>
+        <p:cNvPr id="1" name=""/>
+        <p:cNvGrpSpPr/>
+        <p:nvPr/>
+      </p:nvGrpSpPr>
+      <p:grpSpPr>
+        <a:xfrm>
+          <a:off x="0" y="0"/>
+          <a:ext cx="0" cy="0"/>
+          <a:chOff x="0" y="0"/>
+          <a:chExt cx="0" cy="0"/>
+        </a:xfrm>
+      </p:grpSpPr>
+      <p:sp>
+        <p:nvSpPr>
+          <p:cNvPr id="2" name="제목 1"/>
+          <p:cNvSpPr>
+            <a:spLocks noGrp="1"/>
+          </p:cNvSpPr>
+          <p:nvPr>
+            <p:ph type="title"/>
+          </p:nvPr>
+        </p:nvSpPr>
+        <p:spPr/>
+        <p:txBody>
+          <a:bodyPr/>
+          <a:lstStyle/>
+          <a:p>
+            <a:r>
+              <a:rPr lang="en-US" altLang="ko-KR" dirty="0"/>
+              <a:t> </a:t>
+            </a:r>
+            <a:r>
+              <a:rPr lang="ko-KR" altLang="en-US" dirty="0" err="1" smtClean="0"/>
+              <a:t>튜플</a:t>
+            </a:r>
+            <a:r>
+              <a:rPr lang="en-US" altLang="ko-KR" dirty="0" smtClean="0"/>
+              <a:t>(tuple)</a:t>
+            </a:r>
+            <a:endParaRPr lang="ko-KR" altLang="en-US" dirty="0"/>
+          </a:p>
+        </p:txBody>
+      </p:sp>
+      <p:sp>
+        <p:nvSpPr>
+          <p:cNvPr id="4" name="슬라이드 번호 개체 틀 3"/>
+          <p:cNvSpPr>
+            <a:spLocks noGrp="1"/>
+          </p:cNvSpPr>
+          <p:nvPr>
+            <p:ph type="sldNum" sz="quarter" idx="12"/>
+          </p:nvPr>
+        </p:nvSpPr>
+        <p:spPr/>
+        <p:txBody>
+          <a:bodyPr/>
+          <a:lstStyle/>
+          <a:p>
+            <a:fld id="{1BDE3FE7-3AEA-4B05-AC5A-802D1816ACF0}" type="slidenum">
+              <a:rPr lang="ko-KR" altLang="en-US" smtClean="0"/>
+              <a:t>40</a:t>
             </a:fld>
             <a:endParaRPr lang="ko-KR" altLang="en-US"/>
           </a:p>
@@ -17350,7 +17892,7 @@
 </p:sld>
 </file>
 
-<file path=ppt/slides/slide4.xml><?xml version="1.0" encoding="utf-8"?>
+<file path=ppt/slides/slide41.xml><?xml version="1.0" encoding="utf-8"?>
 <p:sld xmlns:a="http://schemas.openxmlformats.org/drawingml/2006/main" xmlns:r="http://schemas.openxmlformats.org/officeDocument/2006/relationships" xmlns:p="http://schemas.openxmlformats.org/presentationml/2006/main">
   <p:cSld>
     <p:spTree>
@@ -17377,35 +17919,24 @@
             <p:ph type="title"/>
           </p:nvPr>
         </p:nvSpPr>
-        <p:spPr>
-          <a:xfrm>
-            <a:off x="416497" y="197768"/>
-            <a:ext cx="6412780" cy="854968"/>
-          </a:xfrm>
-        </p:spPr>
-        <p:txBody>
-          <a:bodyPr>
-            <a:noAutofit/>
-          </a:bodyPr>
-          <a:lstStyle/>
-          <a:p>
-            <a:r>
-              <a:rPr lang="ko-KR" altLang="en-US" sz="2800" dirty="0" smtClean="0"/>
-              <a:t>   리스트</a:t>
-            </a:r>
-            <a:r>
-              <a:rPr lang="en-US" altLang="ko-KR" sz="2800" dirty="0" smtClean="0"/>
-              <a:t>(list)</a:t>
-            </a:r>
-            <a:r>
-              <a:rPr lang="ko-KR" altLang="en-US" sz="2800" dirty="0" smtClean="0"/>
-              <a:t>란</a:t>
-            </a:r>
-            <a:r>
-              <a:rPr lang="en-US" altLang="ko-KR" sz="2800" dirty="0" smtClean="0"/>
-              <a:t>?</a:t>
-            </a:r>
-            <a:endParaRPr lang="ko-KR" altLang="en-US" sz="2800" dirty="0"/>
+        <p:spPr/>
+        <p:txBody>
+          <a:bodyPr/>
+          <a:lstStyle/>
+          <a:p>
+            <a:r>
+              <a:rPr lang="en-US" altLang="ko-KR" dirty="0"/>
+              <a:t> </a:t>
+            </a:r>
+            <a:r>
+              <a:rPr lang="ko-KR" altLang="en-US" dirty="0" err="1" smtClean="0"/>
+              <a:t>튜플</a:t>
+            </a:r>
+            <a:r>
+              <a:rPr lang="en-US" altLang="ko-KR" dirty="0" smtClean="0"/>
+              <a:t>(tuple)</a:t>
+            </a:r>
+            <a:endParaRPr lang="ko-KR" altLang="en-US" dirty="0"/>
           </a:p>
         </p:txBody>
       </p:sp>
@@ -17426,409 +17957,7 @@
           <a:p>
             <a:fld id="{1BDE3FE7-3AEA-4B05-AC5A-802D1816ACF0}" type="slidenum">
               <a:rPr lang="ko-KR" altLang="en-US" smtClean="0"/>
-              <a:t>4</a:t>
-            </a:fld>
-            <a:endParaRPr lang="ko-KR" altLang="en-US"/>
-          </a:p>
-        </p:txBody>
-      </p:sp>
-      <p:sp>
-        <p:nvSpPr>
-          <p:cNvPr id="25" name="직사각형 24"/>
-          <p:cNvSpPr/>
-          <p:nvPr/>
-        </p:nvSpPr>
-        <p:spPr>
-          <a:xfrm>
-            <a:off x="1028564" y="3293983"/>
-            <a:ext cx="2628292" cy="494494"/>
-          </a:xfrm>
-          <a:prstGeom prst="rect">
-            <a:avLst/>
-          </a:prstGeom>
-        </p:spPr>
-        <p:txBody>
-          <a:bodyPr wrap="square">
-            <a:spAutoFit/>
-          </a:bodyPr>
-          <a:lstStyle/>
-          <a:p>
-            <a:pPr>
-              <a:lnSpc>
-                <a:spcPct val="150000"/>
-              </a:lnSpc>
-            </a:pPr>
-            <a:r>
-              <a:rPr lang="ko-KR" altLang="en-US" sz="2000" b="1" dirty="0" smtClean="0"/>
-              <a:t>리스</a:t>
-            </a:r>
-            <a:r>
-              <a:rPr lang="ko-KR" altLang="en-US" sz="2000" b="1" dirty="0"/>
-              <a:t>트</a:t>
-            </a:r>
-            <a:r>
-              <a:rPr lang="ko-KR" altLang="en-US" sz="2000" b="1" dirty="0" smtClean="0"/>
-              <a:t>의 생성 </a:t>
-            </a:r>
-            <a:endParaRPr lang="en-US" altLang="ko-KR" sz="2000" b="1" dirty="0" smtClean="0"/>
-          </a:p>
-        </p:txBody>
-      </p:sp>
-      <p:sp>
-        <p:nvSpPr>
-          <p:cNvPr id="27" name="직사각형 26"/>
-          <p:cNvSpPr/>
-          <p:nvPr/>
-        </p:nvSpPr>
-        <p:spPr>
-          <a:xfrm>
-            <a:off x="1246210" y="3870047"/>
-            <a:ext cx="6443094" cy="1431161"/>
-          </a:xfrm>
-          <a:prstGeom prst="rect">
-            <a:avLst/>
-          </a:prstGeom>
-        </p:spPr>
-        <p:txBody>
-          <a:bodyPr wrap="square">
-            <a:spAutoFit/>
-          </a:bodyPr>
-          <a:lstStyle/>
-          <a:p>
-            <a:pPr>
-              <a:lnSpc>
-                <a:spcPct val="150000"/>
-              </a:lnSpc>
-            </a:pPr>
-            <a:r>
-              <a:rPr lang="en-US" altLang="ko-KR" dirty="0" smtClean="0"/>
-              <a:t> </a:t>
-            </a:r>
-            <a:r>
-              <a:rPr lang="ko-KR" altLang="en-US" dirty="0" smtClean="0"/>
-              <a:t>리스트 이름 </a:t>
-            </a:r>
-            <a:r>
-              <a:rPr lang="en-US" altLang="ko-KR" dirty="0" smtClean="0"/>
-              <a:t>= [ </a:t>
-            </a:r>
-            <a:r>
-              <a:rPr lang="ko-KR" altLang="en-US" dirty="0" smtClean="0"/>
-              <a:t>요</a:t>
-            </a:r>
-            <a:r>
-              <a:rPr lang="ko-KR" altLang="en-US" dirty="0"/>
-              <a:t>소</a:t>
-            </a:r>
-            <a:r>
-              <a:rPr lang="en-US" altLang="ko-KR" dirty="0" smtClean="0"/>
-              <a:t>1, </a:t>
-            </a:r>
-            <a:r>
-              <a:rPr lang="ko-KR" altLang="en-US" dirty="0" smtClean="0"/>
-              <a:t>요</a:t>
-            </a:r>
-            <a:r>
-              <a:rPr lang="ko-KR" altLang="en-US" dirty="0"/>
-              <a:t>소</a:t>
-            </a:r>
-            <a:r>
-              <a:rPr lang="en-US" altLang="ko-KR" dirty="0" smtClean="0"/>
-              <a:t>2, </a:t>
-            </a:r>
-            <a:r>
-              <a:rPr lang="ko-KR" altLang="en-US" dirty="0" smtClean="0"/>
-              <a:t>요</a:t>
-            </a:r>
-            <a:r>
-              <a:rPr lang="ko-KR" altLang="en-US" dirty="0"/>
-              <a:t>소</a:t>
-            </a:r>
-            <a:r>
-              <a:rPr lang="en-US" altLang="ko-KR" dirty="0" smtClean="0"/>
-              <a:t>3…  ]</a:t>
-            </a:r>
-          </a:p>
-          <a:p>
-            <a:pPr>
-              <a:lnSpc>
-                <a:spcPct val="150000"/>
-              </a:lnSpc>
-            </a:pPr>
-            <a:r>
-              <a:rPr lang="en-US" altLang="ko-KR" sz="2000" dirty="0"/>
-              <a:t> </a:t>
-            </a:r>
-            <a:r>
-              <a:rPr lang="en-US" altLang="ko-KR" sz="2000" dirty="0" smtClean="0"/>
-              <a:t>season = [“</a:t>
-            </a:r>
-            <a:r>
-              <a:rPr lang="ko-KR" altLang="en-US" sz="2000" dirty="0" smtClean="0"/>
-              <a:t>봄</a:t>
-            </a:r>
-            <a:r>
-              <a:rPr lang="en-US" altLang="ko-KR" sz="2000" dirty="0" smtClean="0"/>
-              <a:t>”, “</a:t>
-            </a:r>
-            <a:r>
-              <a:rPr lang="ko-KR" altLang="en-US" sz="2000" dirty="0" smtClean="0"/>
-              <a:t>여름</a:t>
-            </a:r>
-            <a:r>
-              <a:rPr lang="en-US" altLang="ko-KR" sz="2000" dirty="0" smtClean="0"/>
-              <a:t>”, “</a:t>
-            </a:r>
-            <a:r>
-              <a:rPr lang="ko-KR" altLang="en-US" sz="2000" dirty="0" smtClean="0"/>
-              <a:t>가을</a:t>
-            </a:r>
-            <a:r>
-              <a:rPr lang="en-US" altLang="ko-KR" sz="2000" dirty="0" smtClean="0"/>
-              <a:t>”, “</a:t>
-            </a:r>
-            <a:r>
-              <a:rPr lang="ko-KR" altLang="en-US" sz="2000" dirty="0" smtClean="0"/>
-              <a:t>겨울</a:t>
-            </a:r>
-            <a:r>
-              <a:rPr lang="en-US" altLang="ko-KR" sz="2000" dirty="0" smtClean="0"/>
-              <a:t>”]</a:t>
-            </a:r>
-          </a:p>
-          <a:p>
-            <a:pPr>
-              <a:lnSpc>
-                <a:spcPct val="150000"/>
-              </a:lnSpc>
-            </a:pPr>
-            <a:r>
-              <a:rPr lang="en-US" altLang="ko-KR" sz="2000" dirty="0"/>
-              <a:t> </a:t>
-            </a:r>
-            <a:r>
-              <a:rPr lang="en-US" altLang="ko-KR" sz="2000" dirty="0" smtClean="0"/>
-              <a:t>number = [ 1. 2, 3, 4, 5]</a:t>
-            </a:r>
-            <a:endParaRPr lang="en-US" altLang="ko-KR" sz="2000" dirty="0"/>
-          </a:p>
-        </p:txBody>
-      </p:sp>
-      <p:sp>
-        <p:nvSpPr>
-          <p:cNvPr id="28" name="TextBox 27"/>
-          <p:cNvSpPr txBox="1"/>
-          <p:nvPr/>
-        </p:nvSpPr>
-        <p:spPr>
-          <a:xfrm>
-            <a:off x="992560" y="1405225"/>
-            <a:ext cx="8352928" cy="1431161"/>
-          </a:xfrm>
-          <a:prstGeom prst="rect">
-            <a:avLst/>
-          </a:prstGeom>
-          <a:noFill/>
-        </p:spPr>
-        <p:txBody>
-          <a:bodyPr wrap="square" rtlCol="0">
-            <a:spAutoFit/>
-          </a:bodyPr>
-          <a:lstStyle/>
-          <a:p>
-            <a:pPr>
-              <a:lnSpc>
-                <a:spcPct val="150000"/>
-              </a:lnSpc>
-            </a:pPr>
-            <a:r>
-              <a:rPr lang="ko-KR" altLang="en-US" sz="2000" b="1" dirty="0" smtClean="0"/>
-              <a:t>리스트</a:t>
-            </a:r>
-            <a:r>
-              <a:rPr lang="en-US" altLang="ko-KR" sz="2000" b="1" dirty="0" smtClean="0"/>
-              <a:t>(list)</a:t>
-            </a:r>
-            <a:r>
-              <a:rPr lang="ko-KR" altLang="en-US" sz="2000" b="1" dirty="0" smtClean="0"/>
-              <a:t>란</a:t>
-            </a:r>
-            <a:r>
-              <a:rPr lang="en-US" altLang="ko-KR" sz="2000" b="1" dirty="0" smtClean="0"/>
-              <a:t>?</a:t>
-            </a:r>
-          </a:p>
-          <a:p>
-            <a:pPr>
-              <a:lnSpc>
-                <a:spcPct val="150000"/>
-              </a:lnSpc>
-            </a:pPr>
-            <a:r>
-              <a:rPr lang="en-US" altLang="ko-KR" sz="2000" b="1" dirty="0"/>
-              <a:t> </a:t>
-            </a:r>
-            <a:r>
-              <a:rPr lang="en-US" altLang="ko-KR" sz="2000" b="1" dirty="0" smtClean="0"/>
-              <a:t>  </a:t>
-            </a:r>
-            <a:r>
-              <a:rPr lang="en-US" altLang="ko-KR" dirty="0" smtClean="0"/>
-              <a:t>- </a:t>
-            </a:r>
-            <a:r>
-              <a:rPr lang="ko-KR" altLang="en-US" dirty="0"/>
-              <a:t>여러 개의 연속적인 값을 저장하고자 할 때 사용하는 </a:t>
-            </a:r>
-            <a:r>
-              <a:rPr lang="ko-KR" altLang="en-US" dirty="0" err="1"/>
-              <a:t>자료형이다</a:t>
-            </a:r>
-            <a:r>
-              <a:rPr lang="en-US" altLang="ko-KR" dirty="0" smtClean="0"/>
-              <a:t>.</a:t>
-            </a:r>
-          </a:p>
-          <a:p>
-            <a:pPr>
-              <a:lnSpc>
-                <a:spcPct val="150000"/>
-              </a:lnSpc>
-            </a:pPr>
-            <a:r>
-              <a:rPr lang="en-US" altLang="ko-KR" dirty="0"/>
-              <a:t> </a:t>
-            </a:r>
-            <a:r>
-              <a:rPr lang="en-US" altLang="ko-KR" dirty="0" smtClean="0"/>
-              <a:t>  - </a:t>
-            </a:r>
-            <a:r>
-              <a:rPr lang="ko-KR" altLang="en-US" dirty="0" smtClean="0">
-                <a:solidFill>
-                  <a:srgbClr val="C00000"/>
-                </a:solidFill>
-              </a:rPr>
-              <a:t>변수는 </a:t>
-            </a:r>
-            <a:r>
-              <a:rPr lang="en-US" altLang="ko-KR" dirty="0" smtClean="0">
-                <a:solidFill>
-                  <a:srgbClr val="C00000"/>
-                </a:solidFill>
-              </a:rPr>
-              <a:t>1</a:t>
-            </a:r>
-            <a:r>
-              <a:rPr lang="ko-KR" altLang="en-US" dirty="0" smtClean="0">
-                <a:solidFill>
-                  <a:srgbClr val="C00000"/>
-                </a:solidFill>
-              </a:rPr>
-              <a:t>개의 값만을 저장하고 변경할 수 있다</a:t>
-            </a:r>
-            <a:r>
-              <a:rPr lang="en-US" altLang="ko-KR" b="1" dirty="0" smtClean="0">
-                <a:solidFill>
-                  <a:srgbClr val="C00000"/>
-                </a:solidFill>
-              </a:rPr>
-              <a:t>.</a:t>
-            </a:r>
-            <a:endParaRPr lang="en-US" altLang="ko-KR" b="1" dirty="0">
-              <a:solidFill>
-                <a:srgbClr val="C00000"/>
-              </a:solidFill>
-            </a:endParaRPr>
-          </a:p>
-        </p:txBody>
-      </p:sp>
-    </p:spTree>
-    <p:extLst>
-      <p:ext uri="{BB962C8B-B14F-4D97-AF65-F5344CB8AC3E}">
-        <p14:creationId xmlns:p14="http://schemas.microsoft.com/office/powerpoint/2010/main" val="1239292542"/>
-      </p:ext>
-    </p:extLst>
-  </p:cSld>
-  <p:clrMapOvr>
-    <a:masterClrMapping/>
-  </p:clrMapOvr>
-  <p:timing>
-    <p:tnLst>
-      <p:par>
-        <p:cTn id="1" dur="indefinite" restart="never" nodeType="tmRoot"/>
-      </p:par>
-    </p:tnLst>
-  </p:timing>
-</p:sld>
-</file>
-
-<file path=ppt/slides/slide40.xml><?xml version="1.0" encoding="utf-8"?>
-<p:sld xmlns:a="http://schemas.openxmlformats.org/drawingml/2006/main" xmlns:r="http://schemas.openxmlformats.org/officeDocument/2006/relationships" xmlns:p="http://schemas.openxmlformats.org/presentationml/2006/main">
-  <p:cSld>
-    <p:spTree>
-      <p:nvGrpSpPr>
-        <p:cNvPr id="1" name=""/>
-        <p:cNvGrpSpPr/>
-        <p:nvPr/>
-      </p:nvGrpSpPr>
-      <p:grpSpPr>
-        <a:xfrm>
-          <a:off x="0" y="0"/>
-          <a:ext cx="0" cy="0"/>
-          <a:chOff x="0" y="0"/>
-          <a:chExt cx="0" cy="0"/>
-        </a:xfrm>
-      </p:grpSpPr>
-      <p:sp>
-        <p:nvSpPr>
-          <p:cNvPr id="2" name="제목 1"/>
-          <p:cNvSpPr>
-            <a:spLocks noGrp="1"/>
-          </p:cNvSpPr>
-          <p:nvPr>
-            <p:ph type="title"/>
-          </p:nvPr>
-        </p:nvSpPr>
-        <p:spPr/>
-        <p:txBody>
-          <a:bodyPr/>
-          <a:lstStyle/>
-          <a:p>
-            <a:r>
-              <a:rPr lang="en-US" altLang="ko-KR" dirty="0"/>
-              <a:t> </a:t>
-            </a:r>
-            <a:r>
-              <a:rPr lang="ko-KR" altLang="en-US" dirty="0" err="1" smtClean="0"/>
-              <a:t>튜플</a:t>
-            </a:r>
-            <a:r>
-              <a:rPr lang="en-US" altLang="ko-KR" dirty="0" smtClean="0"/>
-              <a:t>(tuple)</a:t>
-            </a:r>
-            <a:endParaRPr lang="ko-KR" altLang="en-US" dirty="0"/>
-          </a:p>
-        </p:txBody>
-      </p:sp>
-      <p:sp>
-        <p:nvSpPr>
-          <p:cNvPr id="4" name="슬라이드 번호 개체 틀 3"/>
-          <p:cNvSpPr>
-            <a:spLocks noGrp="1"/>
-          </p:cNvSpPr>
-          <p:nvPr>
-            <p:ph type="sldNum" sz="quarter" idx="12"/>
-          </p:nvPr>
-        </p:nvSpPr>
-        <p:spPr/>
-        <p:txBody>
-          <a:bodyPr/>
-          <a:lstStyle/>
-          <a:p>
-            <a:fld id="{1BDE3FE7-3AEA-4B05-AC5A-802D1816ACF0}" type="slidenum">
-              <a:rPr lang="ko-KR" altLang="en-US" smtClean="0"/>
-              <a:t>40</a:t>
+              <a:t>41</a:t>
             </a:fld>
             <a:endParaRPr lang="ko-KR" altLang="en-US"/>
           </a:p>
@@ -17928,7 +18057,7 @@
 </p:sld>
 </file>
 
-<file path=ppt/slides/slide41.xml><?xml version="1.0" encoding="utf-8"?>
+<file path=ppt/slides/slide42.xml><?xml version="1.0" encoding="utf-8"?>
 <p:sld xmlns:a="http://schemas.openxmlformats.org/drawingml/2006/main" xmlns:r="http://schemas.openxmlformats.org/officeDocument/2006/relationships" xmlns:p="http://schemas.openxmlformats.org/presentationml/2006/main">
   <p:cSld>
     <p:spTree>
@@ -18030,7 +18159,7 @@
           <a:p>
             <a:fld id="{1BDE3FE7-3AEA-4B05-AC5A-802D1816ACF0}" type="slidenum">
               <a:rPr lang="ko-KR" altLang="en-US" smtClean="0"/>
-              <a:t>41</a:t>
+              <a:t>42</a:t>
             </a:fld>
             <a:endParaRPr lang="ko-KR" altLang="en-US"/>
           </a:p>
@@ -18203,7 +18332,7 @@
 </p:sld>
 </file>
 
-<file path=ppt/slides/slide42.xml><?xml version="1.0" encoding="utf-8"?>
+<file path=ppt/slides/slide43.xml><?xml version="1.0" encoding="utf-8"?>
 <p:sld xmlns:a="http://schemas.openxmlformats.org/drawingml/2006/main" xmlns:r="http://schemas.openxmlformats.org/officeDocument/2006/relationships" xmlns:p="http://schemas.openxmlformats.org/presentationml/2006/main">
   <p:cSld>
     <p:spTree>
@@ -18272,7 +18401,7 @@
           <a:p>
             <a:fld id="{1BDE3FE7-3AEA-4B05-AC5A-802D1816ACF0}" type="slidenum">
               <a:rPr lang="ko-KR" altLang="en-US" smtClean="0"/>
-              <a:t>42</a:t>
+              <a:t>43</a:t>
             </a:fld>
             <a:endParaRPr lang="ko-KR" altLang="en-US"/>
           </a:p>
@@ -19270,7 +19399,7 @@
 </p:sld>
 </file>
 
-<file path=ppt/slides/slide43.xml><?xml version="1.0" encoding="utf-8"?>
+<file path=ppt/slides/slide44.xml><?xml version="1.0" encoding="utf-8"?>
 <p:sld xmlns:a="http://schemas.openxmlformats.org/drawingml/2006/main" xmlns:r="http://schemas.openxmlformats.org/officeDocument/2006/relationships" xmlns:p="http://schemas.openxmlformats.org/presentationml/2006/main">
   <p:cSld>
     <p:spTree>
@@ -19339,7 +19468,7 @@
           <a:p>
             <a:fld id="{1BDE3FE7-3AEA-4B05-AC5A-802D1816ACF0}" type="slidenum">
               <a:rPr lang="ko-KR" altLang="en-US" smtClean="0"/>
-              <a:t>43</a:t>
+              <a:t>44</a:t>
             </a:fld>
             <a:endParaRPr lang="ko-KR" altLang="en-US"/>
           </a:p>
@@ -19512,7 +19641,7 @@
 </p:sld>
 </file>
 
-<file path=ppt/slides/slide44.xml><?xml version="1.0" encoding="utf-8"?>
+<file path=ppt/slides/slide45.xml><?xml version="1.0" encoding="utf-8"?>
 <p:sld xmlns:a="http://schemas.openxmlformats.org/drawingml/2006/main" xmlns:r="http://schemas.openxmlformats.org/officeDocument/2006/relationships" xmlns:p="http://schemas.openxmlformats.org/presentationml/2006/main">
   <p:cSld>
     <p:spTree>
@@ -19577,7 +19706,7 @@
           <a:p>
             <a:fld id="{1BDE3FE7-3AEA-4B05-AC5A-802D1816ACF0}" type="slidenum">
               <a:rPr lang="ko-KR" altLang="en-US" smtClean="0"/>
-              <a:t>44</a:t>
+              <a:t>45</a:t>
             </a:fld>
             <a:endParaRPr lang="ko-KR" altLang="en-US"/>
           </a:p>
@@ -20172,7 +20301,7 @@
 </p:sld>
 </file>
 
-<file path=ppt/slides/slide45.xml><?xml version="1.0" encoding="utf-8"?>
+<file path=ppt/slides/slide46.xml><?xml version="1.0" encoding="utf-8"?>
 <p:sld xmlns:a="http://schemas.openxmlformats.org/drawingml/2006/main" xmlns:r="http://schemas.openxmlformats.org/officeDocument/2006/relationships" xmlns:p="http://schemas.openxmlformats.org/presentationml/2006/main">
   <p:cSld>
     <p:spTree>
@@ -20241,7 +20370,7 @@
           <a:p>
             <a:fld id="{1BDE3FE7-3AEA-4B05-AC5A-802D1816ACF0}" type="slidenum">
               <a:rPr lang="ko-KR" altLang="en-US" smtClean="0"/>
-              <a:t>45</a:t>
+              <a:t>46</a:t>
             </a:fld>
             <a:endParaRPr lang="ko-KR" altLang="en-US"/>
           </a:p>
@@ -20670,7 +20799,7 @@
 </p:sld>
 </file>
 
-<file path=ppt/slides/slide46.xml><?xml version="1.0" encoding="utf-8"?>
+<file path=ppt/slides/slide47.xml><?xml version="1.0" encoding="utf-8"?>
 <p:sld xmlns:a="http://schemas.openxmlformats.org/drawingml/2006/main" xmlns:r="http://schemas.openxmlformats.org/officeDocument/2006/relationships" xmlns:p="http://schemas.openxmlformats.org/presentationml/2006/main">
   <p:cSld>
     <p:spTree>
@@ -20735,7 +20864,7 @@
           <a:p>
             <a:fld id="{1BDE3FE7-3AEA-4B05-AC5A-802D1816ACF0}" type="slidenum">
               <a:rPr lang="ko-KR" altLang="en-US" smtClean="0"/>
-              <a:t>46</a:t>
+              <a:t>47</a:t>
             </a:fld>
             <a:endParaRPr lang="ko-KR" altLang="en-US"/>
           </a:p>
@@ -21556,7 +21685,7 @@
 </p:sld>
 </file>
 
-<file path=ppt/slides/slide47.xml><?xml version="1.0" encoding="utf-8"?>
+<file path=ppt/slides/slide48.xml><?xml version="1.0" encoding="utf-8"?>
 <p:sld xmlns:a="http://schemas.openxmlformats.org/drawingml/2006/main" xmlns:r="http://schemas.openxmlformats.org/officeDocument/2006/relationships" xmlns:p="http://schemas.openxmlformats.org/presentationml/2006/main">
   <p:cSld>
     <p:spTree>
@@ -21621,7 +21750,7 @@
           <a:p>
             <a:fld id="{1BDE3FE7-3AEA-4B05-AC5A-802D1816ACF0}" type="slidenum">
               <a:rPr lang="ko-KR" altLang="en-US" smtClean="0"/>
-              <a:t>47</a:t>
+              <a:t>48</a:t>
             </a:fld>
             <a:endParaRPr lang="ko-KR" altLang="en-US"/>
           </a:p>
@@ -21785,7 +21914,7 @@
 </p:sld>
 </file>
 
-<file path=ppt/slides/slide48.xml><?xml version="1.0" encoding="utf-8"?>
+<file path=ppt/slides/slide49.xml><?xml version="1.0" encoding="utf-8"?>
 <p:sld xmlns:a="http://schemas.openxmlformats.org/drawingml/2006/main" xmlns:r="http://schemas.openxmlformats.org/officeDocument/2006/relationships" xmlns:p="http://schemas.openxmlformats.org/presentationml/2006/main">
   <p:cSld>
     <p:spTree>
@@ -21850,7 +21979,7 @@
           <a:p>
             <a:fld id="{1BDE3FE7-3AEA-4B05-AC5A-802D1816ACF0}" type="slidenum">
               <a:rPr lang="ko-KR" altLang="en-US" smtClean="0"/>
-              <a:t>48</a:t>
+              <a:t>49</a:t>
             </a:fld>
             <a:endParaRPr lang="ko-KR" altLang="en-US"/>
           </a:p>
@@ -22795,7 +22924,7 @@
 </p:sld>
 </file>
 
-<file path=ppt/slides/slide49.xml><?xml version="1.0" encoding="utf-8"?>
+<file path=ppt/slides/slide5.xml><?xml version="1.0" encoding="utf-8"?>
 <p:sld xmlns:a="http://schemas.openxmlformats.org/drawingml/2006/main" xmlns:r="http://schemas.openxmlformats.org/officeDocument/2006/relationships" xmlns:p="http://schemas.openxmlformats.org/presentationml/2006/main">
   <p:cSld>
     <p:spTree>
@@ -22832,12 +22961,16 @@
               <a:t> </a:t>
             </a:r>
             <a:r>
-              <a:rPr lang="ko-KR" altLang="en-US" dirty="0" err="1" smtClean="0"/>
-              <a:t>딕셔너리</a:t>
+              <a:rPr lang="ko-KR" altLang="en-US" dirty="0" smtClean="0"/>
+              <a:t>리스트</a:t>
             </a:r>
             <a:r>
               <a:rPr lang="en-US" altLang="ko-KR" dirty="0" smtClean="0"/>
-              <a:t>(Dictionary)</a:t>
+              <a:t>(list)</a:t>
+            </a:r>
+            <a:r>
+              <a:rPr lang="ko-KR" altLang="en-US" dirty="0" smtClean="0"/>
+              <a:t>의 생성</a:t>
             </a:r>
             <a:endParaRPr lang="ko-KR" altLang="en-US" dirty="0"/>
           </a:p>
@@ -22860,7 +22993,228 @@
           <a:p>
             <a:fld id="{1BDE3FE7-3AEA-4B05-AC5A-802D1816ACF0}" type="slidenum">
               <a:rPr lang="ko-KR" altLang="en-US" smtClean="0"/>
-              <a:t>49</a:t>
+              <a:t>5</a:t>
+            </a:fld>
+            <a:endParaRPr lang="ko-KR" altLang="en-US"/>
+          </a:p>
+        </p:txBody>
+      </p:sp>
+      <p:sp>
+        <p:nvSpPr>
+          <p:cNvPr id="14" name="TextBox 13"/>
+          <p:cNvSpPr txBox="1"/>
+          <p:nvPr/>
+        </p:nvSpPr>
+        <p:spPr>
+          <a:xfrm>
+            <a:off x="1064568" y="1196752"/>
+            <a:ext cx="4608512" cy="509178"/>
+          </a:xfrm>
+          <a:prstGeom prst="rect">
+            <a:avLst/>
+          </a:prstGeom>
+          <a:ln>
+            <a:noFill/>
+          </a:ln>
+        </p:spPr>
+        <p:style>
+          <a:lnRef idx="2">
+            <a:schemeClr val="dk1"/>
+          </a:lnRef>
+          <a:fillRef idx="1">
+            <a:schemeClr val="lt1"/>
+          </a:fillRef>
+          <a:effectRef idx="0">
+            <a:schemeClr val="dk1"/>
+          </a:effectRef>
+          <a:fontRef idx="minor">
+            <a:schemeClr val="dk1"/>
+          </a:fontRef>
+        </p:style>
+        <p:txBody>
+          <a:bodyPr wrap="square" rtlCol="0">
+            <a:spAutoFit/>
+          </a:bodyPr>
+          <a:lstStyle/>
+          <a:p>
+            <a:pPr marL="342900" indent="-342900">
+              <a:lnSpc>
+                <a:spcPct val="150000"/>
+              </a:lnSpc>
+              <a:buFont typeface="Wingdings" panose="05000000000000000000" pitchFamily="2" charset="2"/>
+              <a:buChar char="§"/>
+            </a:pPr>
+            <a:r>
+              <a:rPr lang="ko-KR" altLang="en-US" sz="2000" dirty="0" smtClean="0">
+                <a:latin typeface="휴먼엑스포" panose="02030504000101010101" pitchFamily="18" charset="-127"/>
+                <a:ea typeface="휴먼엑스포" panose="02030504000101010101" pitchFamily="18" charset="-127"/>
+              </a:rPr>
+              <a:t>리스트의 생성 및 인덱싱</a:t>
+            </a:r>
+            <a:endParaRPr lang="en-US" altLang="ko-KR" sz="2000" dirty="0" smtClean="0">
+              <a:latin typeface="휴먼엑스포" panose="02030504000101010101" pitchFamily="18" charset="-127"/>
+              <a:ea typeface="휴먼엑스포" panose="02030504000101010101" pitchFamily="18" charset="-127"/>
+            </a:endParaRPr>
+          </a:p>
+        </p:txBody>
+      </p:sp>
+      <p:pic>
+        <p:nvPicPr>
+          <p:cNvPr id="5" name="그림 4"/>
+          <p:cNvPicPr>
+            <a:picLocks noChangeAspect="1"/>
+          </p:cNvPicPr>
+          <p:nvPr/>
+        </p:nvPicPr>
+        <p:blipFill>
+          <a:blip r:embed="rId2">
+            <a:extLst>
+              <a:ext uri="{28A0092B-C50C-407E-A947-70E740481C1C}">
+                <a14:useLocalDpi xmlns:a14="http://schemas.microsoft.com/office/drawing/2010/main" val="0"/>
+              </a:ext>
+            </a:extLst>
+          </a:blip>
+          <a:stretch>
+            <a:fillRect/>
+          </a:stretch>
+        </p:blipFill>
+        <p:spPr>
+          <a:xfrm>
+            <a:off x="1583598" y="1851924"/>
+            <a:ext cx="4121395" cy="4739952"/>
+          </a:xfrm>
+          <a:prstGeom prst="rect">
+            <a:avLst/>
+          </a:prstGeom>
+          <a:ln>
+            <a:solidFill>
+              <a:schemeClr val="bg1">
+                <a:lumMod val="85000"/>
+              </a:schemeClr>
+            </a:solidFill>
+          </a:ln>
+        </p:spPr>
+      </p:pic>
+      <p:sp>
+        <p:nvSpPr>
+          <p:cNvPr id="3" name="TextBox 2"/>
+          <p:cNvSpPr txBox="1"/>
+          <p:nvPr/>
+        </p:nvSpPr>
+        <p:spPr>
+          <a:xfrm>
+            <a:off x="5241032" y="2708920"/>
+            <a:ext cx="1224136" cy="369332"/>
+          </a:xfrm>
+          <a:prstGeom prst="rect">
+            <a:avLst/>
+          </a:prstGeom>
+          <a:noFill/>
+        </p:spPr>
+        <p:txBody>
+          <a:bodyPr wrap="square" rtlCol="0">
+            <a:spAutoFit/>
+          </a:bodyPr>
+          <a:lstStyle/>
+          <a:p>
+            <a:r>
+              <a:rPr lang="en-US" altLang="ko-KR" dirty="0"/>
+              <a:t>l</a:t>
+            </a:r>
+            <a:r>
+              <a:rPr lang="en-US" altLang="ko-KR" dirty="0" smtClean="0"/>
+              <a:t>ist1.py</a:t>
+            </a:r>
+            <a:endParaRPr lang="ko-KR" altLang="en-US" dirty="0"/>
+          </a:p>
+        </p:txBody>
+      </p:sp>
+    </p:spTree>
+    <p:extLst>
+      <p:ext uri="{BB962C8B-B14F-4D97-AF65-F5344CB8AC3E}">
+        <p14:creationId xmlns:p14="http://schemas.microsoft.com/office/powerpoint/2010/main" val="2447201245"/>
+      </p:ext>
+    </p:extLst>
+  </p:cSld>
+  <p:clrMapOvr>
+    <a:masterClrMapping/>
+  </p:clrMapOvr>
+  <p:timing>
+    <p:tnLst>
+      <p:par>
+        <p:cTn id="1" dur="indefinite" restart="never" nodeType="tmRoot"/>
+      </p:par>
+    </p:tnLst>
+  </p:timing>
+</p:sld>
+</file>
+
+<file path=ppt/slides/slide50.xml><?xml version="1.0" encoding="utf-8"?>
+<p:sld xmlns:a="http://schemas.openxmlformats.org/drawingml/2006/main" xmlns:r="http://schemas.openxmlformats.org/officeDocument/2006/relationships" xmlns:p="http://schemas.openxmlformats.org/presentationml/2006/main">
+  <p:cSld>
+    <p:spTree>
+      <p:nvGrpSpPr>
+        <p:cNvPr id="1" name=""/>
+        <p:cNvGrpSpPr/>
+        <p:nvPr/>
+      </p:nvGrpSpPr>
+      <p:grpSpPr>
+        <a:xfrm>
+          <a:off x="0" y="0"/>
+          <a:ext cx="0" cy="0"/>
+          <a:chOff x="0" y="0"/>
+          <a:chExt cx="0" cy="0"/>
+        </a:xfrm>
+      </p:grpSpPr>
+      <p:sp>
+        <p:nvSpPr>
+          <p:cNvPr id="2" name="제목 1"/>
+          <p:cNvSpPr>
+            <a:spLocks noGrp="1"/>
+          </p:cNvSpPr>
+          <p:nvPr>
+            <p:ph type="title"/>
+          </p:nvPr>
+        </p:nvSpPr>
+        <p:spPr/>
+        <p:txBody>
+          <a:bodyPr/>
+          <a:lstStyle/>
+          <a:p>
+            <a:r>
+              <a:rPr lang="en-US" altLang="ko-KR" dirty="0"/>
+              <a:t> </a:t>
+            </a:r>
+            <a:r>
+              <a:rPr lang="ko-KR" altLang="en-US" dirty="0" err="1" smtClean="0"/>
+              <a:t>딕셔너리</a:t>
+            </a:r>
+            <a:r>
+              <a:rPr lang="en-US" altLang="ko-KR" dirty="0" smtClean="0"/>
+              <a:t>(Dictionary)</a:t>
+            </a:r>
+            <a:endParaRPr lang="ko-KR" altLang="en-US" dirty="0"/>
+          </a:p>
+        </p:txBody>
+      </p:sp>
+      <p:sp>
+        <p:nvSpPr>
+          <p:cNvPr id="4" name="슬라이드 번호 개체 틀 3"/>
+          <p:cNvSpPr>
+            <a:spLocks noGrp="1"/>
+          </p:cNvSpPr>
+          <p:nvPr>
+            <p:ph type="sldNum" sz="quarter" idx="12"/>
+          </p:nvPr>
+        </p:nvSpPr>
+        <p:spPr/>
+        <p:txBody>
+          <a:bodyPr/>
+          <a:lstStyle/>
+          <a:p>
+            <a:fld id="{1BDE3FE7-3AEA-4B05-AC5A-802D1816ACF0}" type="slidenum">
+              <a:rPr lang="ko-KR" altLang="en-US" smtClean="0"/>
+              <a:t>50</a:t>
             </a:fld>
             <a:endParaRPr lang="ko-KR" altLang="en-US"/>
           </a:p>
@@ -23009,7 +23363,7 @@
 </p:sld>
 </file>
 
-<file path=ppt/slides/slide5.xml><?xml version="1.0" encoding="utf-8"?>
+<file path=ppt/slides/slide51.xml><?xml version="1.0" encoding="utf-8"?>
 <p:sld xmlns:a="http://schemas.openxmlformats.org/drawingml/2006/main" xmlns:r="http://schemas.openxmlformats.org/officeDocument/2006/relationships" xmlns:p="http://schemas.openxmlformats.org/presentationml/2006/main">
   <p:cSld>
     <p:spTree>
@@ -23046,16 +23400,12 @@
               <a:t> </a:t>
             </a:r>
             <a:r>
-              <a:rPr lang="ko-KR" altLang="en-US" dirty="0" smtClean="0"/>
-              <a:t>리스트</a:t>
+              <a:rPr lang="ko-KR" altLang="en-US" dirty="0" err="1" smtClean="0"/>
+              <a:t>딕셔너리</a:t>
             </a:r>
             <a:r>
               <a:rPr lang="en-US" altLang="ko-KR" dirty="0" smtClean="0"/>
-              <a:t>(list)</a:t>
-            </a:r>
-            <a:r>
-              <a:rPr lang="ko-KR" altLang="en-US" dirty="0" smtClean="0"/>
-              <a:t>의 생성</a:t>
+              <a:t>(Dictionary)</a:t>
             </a:r>
             <a:endParaRPr lang="ko-KR" altLang="en-US" dirty="0"/>
           </a:p>
@@ -23078,228 +23428,7 @@
           <a:p>
             <a:fld id="{1BDE3FE7-3AEA-4B05-AC5A-802D1816ACF0}" type="slidenum">
               <a:rPr lang="ko-KR" altLang="en-US" smtClean="0"/>
-              <a:t>5</a:t>
-            </a:fld>
-            <a:endParaRPr lang="ko-KR" altLang="en-US"/>
-          </a:p>
-        </p:txBody>
-      </p:sp>
-      <p:sp>
-        <p:nvSpPr>
-          <p:cNvPr id="14" name="TextBox 13"/>
-          <p:cNvSpPr txBox="1"/>
-          <p:nvPr/>
-        </p:nvSpPr>
-        <p:spPr>
-          <a:xfrm>
-            <a:off x="1064568" y="1196752"/>
-            <a:ext cx="4608512" cy="509178"/>
-          </a:xfrm>
-          <a:prstGeom prst="rect">
-            <a:avLst/>
-          </a:prstGeom>
-          <a:ln>
-            <a:noFill/>
-          </a:ln>
-        </p:spPr>
-        <p:style>
-          <a:lnRef idx="2">
-            <a:schemeClr val="dk1"/>
-          </a:lnRef>
-          <a:fillRef idx="1">
-            <a:schemeClr val="lt1"/>
-          </a:fillRef>
-          <a:effectRef idx="0">
-            <a:schemeClr val="dk1"/>
-          </a:effectRef>
-          <a:fontRef idx="minor">
-            <a:schemeClr val="dk1"/>
-          </a:fontRef>
-        </p:style>
-        <p:txBody>
-          <a:bodyPr wrap="square" rtlCol="0">
-            <a:spAutoFit/>
-          </a:bodyPr>
-          <a:lstStyle/>
-          <a:p>
-            <a:pPr marL="342900" indent="-342900">
-              <a:lnSpc>
-                <a:spcPct val="150000"/>
-              </a:lnSpc>
-              <a:buFont typeface="Wingdings" panose="05000000000000000000" pitchFamily="2" charset="2"/>
-              <a:buChar char="§"/>
-            </a:pPr>
-            <a:r>
-              <a:rPr lang="ko-KR" altLang="en-US" sz="2000" dirty="0" smtClean="0">
-                <a:latin typeface="휴먼엑스포" panose="02030504000101010101" pitchFamily="18" charset="-127"/>
-                <a:ea typeface="휴먼엑스포" panose="02030504000101010101" pitchFamily="18" charset="-127"/>
-              </a:rPr>
-              <a:t>리스트의 생성 및 인덱싱</a:t>
-            </a:r>
-            <a:endParaRPr lang="en-US" altLang="ko-KR" sz="2000" dirty="0" smtClean="0">
-              <a:latin typeface="휴먼엑스포" panose="02030504000101010101" pitchFamily="18" charset="-127"/>
-              <a:ea typeface="휴먼엑스포" panose="02030504000101010101" pitchFamily="18" charset="-127"/>
-            </a:endParaRPr>
-          </a:p>
-        </p:txBody>
-      </p:sp>
-      <p:pic>
-        <p:nvPicPr>
-          <p:cNvPr id="5" name="그림 4"/>
-          <p:cNvPicPr>
-            <a:picLocks noChangeAspect="1"/>
-          </p:cNvPicPr>
-          <p:nvPr/>
-        </p:nvPicPr>
-        <p:blipFill>
-          <a:blip r:embed="rId2">
-            <a:extLst>
-              <a:ext uri="{28A0092B-C50C-407E-A947-70E740481C1C}">
-                <a14:useLocalDpi xmlns:a14="http://schemas.microsoft.com/office/drawing/2010/main" val="0"/>
-              </a:ext>
-            </a:extLst>
-          </a:blip>
-          <a:stretch>
-            <a:fillRect/>
-          </a:stretch>
-        </p:blipFill>
-        <p:spPr>
-          <a:xfrm>
-            <a:off x="1583598" y="1851924"/>
-            <a:ext cx="4121395" cy="4739952"/>
-          </a:xfrm>
-          <a:prstGeom prst="rect">
-            <a:avLst/>
-          </a:prstGeom>
-          <a:ln>
-            <a:solidFill>
-              <a:schemeClr val="bg1">
-                <a:lumMod val="85000"/>
-              </a:schemeClr>
-            </a:solidFill>
-          </a:ln>
-        </p:spPr>
-      </p:pic>
-      <p:sp>
-        <p:nvSpPr>
-          <p:cNvPr id="3" name="TextBox 2"/>
-          <p:cNvSpPr txBox="1"/>
-          <p:nvPr/>
-        </p:nvSpPr>
-        <p:spPr>
-          <a:xfrm>
-            <a:off x="5241032" y="2708920"/>
-            <a:ext cx="1224136" cy="369332"/>
-          </a:xfrm>
-          <a:prstGeom prst="rect">
-            <a:avLst/>
-          </a:prstGeom>
-          <a:noFill/>
-        </p:spPr>
-        <p:txBody>
-          <a:bodyPr wrap="square" rtlCol="0">
-            <a:spAutoFit/>
-          </a:bodyPr>
-          <a:lstStyle/>
-          <a:p>
-            <a:r>
-              <a:rPr lang="en-US" altLang="ko-KR" dirty="0"/>
-              <a:t>l</a:t>
-            </a:r>
-            <a:r>
-              <a:rPr lang="en-US" altLang="ko-KR" dirty="0" smtClean="0"/>
-              <a:t>ist1.py</a:t>
-            </a:r>
-            <a:endParaRPr lang="ko-KR" altLang="en-US" dirty="0"/>
-          </a:p>
-        </p:txBody>
-      </p:sp>
-    </p:spTree>
-    <p:extLst>
-      <p:ext uri="{BB962C8B-B14F-4D97-AF65-F5344CB8AC3E}">
-        <p14:creationId xmlns:p14="http://schemas.microsoft.com/office/powerpoint/2010/main" val="2447201245"/>
-      </p:ext>
-    </p:extLst>
-  </p:cSld>
-  <p:clrMapOvr>
-    <a:masterClrMapping/>
-  </p:clrMapOvr>
-  <p:timing>
-    <p:tnLst>
-      <p:par>
-        <p:cTn id="1" dur="indefinite" restart="never" nodeType="tmRoot"/>
-      </p:par>
-    </p:tnLst>
-  </p:timing>
-</p:sld>
-</file>
-
-<file path=ppt/slides/slide50.xml><?xml version="1.0" encoding="utf-8"?>
-<p:sld xmlns:a="http://schemas.openxmlformats.org/drawingml/2006/main" xmlns:r="http://schemas.openxmlformats.org/officeDocument/2006/relationships" xmlns:p="http://schemas.openxmlformats.org/presentationml/2006/main">
-  <p:cSld>
-    <p:spTree>
-      <p:nvGrpSpPr>
-        <p:cNvPr id="1" name=""/>
-        <p:cNvGrpSpPr/>
-        <p:nvPr/>
-      </p:nvGrpSpPr>
-      <p:grpSpPr>
-        <a:xfrm>
-          <a:off x="0" y="0"/>
-          <a:ext cx="0" cy="0"/>
-          <a:chOff x="0" y="0"/>
-          <a:chExt cx="0" cy="0"/>
-        </a:xfrm>
-      </p:grpSpPr>
-      <p:sp>
-        <p:nvSpPr>
-          <p:cNvPr id="2" name="제목 1"/>
-          <p:cNvSpPr>
-            <a:spLocks noGrp="1"/>
-          </p:cNvSpPr>
-          <p:nvPr>
-            <p:ph type="title"/>
-          </p:nvPr>
-        </p:nvSpPr>
-        <p:spPr/>
-        <p:txBody>
-          <a:bodyPr/>
-          <a:lstStyle/>
-          <a:p>
-            <a:r>
-              <a:rPr lang="en-US" altLang="ko-KR" dirty="0"/>
-              <a:t> </a:t>
-            </a:r>
-            <a:r>
-              <a:rPr lang="ko-KR" altLang="en-US" dirty="0" err="1" smtClean="0"/>
-              <a:t>딕셔너리</a:t>
-            </a:r>
-            <a:r>
-              <a:rPr lang="en-US" altLang="ko-KR" dirty="0" smtClean="0"/>
-              <a:t>(Dictionary)</a:t>
-            </a:r>
-            <a:endParaRPr lang="ko-KR" altLang="en-US" dirty="0"/>
-          </a:p>
-        </p:txBody>
-      </p:sp>
-      <p:sp>
-        <p:nvSpPr>
-          <p:cNvPr id="4" name="슬라이드 번호 개체 틀 3"/>
-          <p:cNvSpPr>
-            <a:spLocks noGrp="1"/>
-          </p:cNvSpPr>
-          <p:nvPr>
-            <p:ph type="sldNum" sz="quarter" idx="12"/>
-          </p:nvPr>
-        </p:nvSpPr>
-        <p:spPr/>
-        <p:txBody>
-          <a:bodyPr/>
-          <a:lstStyle/>
-          <a:p>
-            <a:fld id="{1BDE3FE7-3AEA-4B05-AC5A-802D1816ACF0}" type="slidenum">
-              <a:rPr lang="ko-KR" altLang="en-US" smtClean="0"/>
-              <a:t>50</a:t>
+              <a:t>51</a:t>
             </a:fld>
             <a:endParaRPr lang="ko-KR" altLang="en-US"/>
           </a:p>
@@ -23678,7 +23807,7 @@
 </p:sld>
 </file>
 
-<file path=ppt/slides/slide51.xml><?xml version="1.0" encoding="utf-8"?>
+<file path=ppt/slides/slide52.xml><?xml version="1.0" encoding="utf-8"?>
 <p:sld xmlns:a="http://schemas.openxmlformats.org/drawingml/2006/main" xmlns:r="http://schemas.openxmlformats.org/officeDocument/2006/relationships" xmlns:p="http://schemas.openxmlformats.org/presentationml/2006/main">
   <p:cSld>
     <p:spTree>
@@ -23739,7 +23868,7 @@
           <a:p>
             <a:fld id="{1BDE3FE7-3AEA-4B05-AC5A-802D1816ACF0}" type="slidenum">
               <a:rPr lang="ko-KR" altLang="en-US" smtClean="0"/>
-              <a:t>51</a:t>
+              <a:t>52</a:t>
             </a:fld>
             <a:endParaRPr lang="ko-KR" altLang="en-US"/>
           </a:p>
@@ -23952,7 +24081,7 @@
 </p:sld>
 </file>
 
-<file path=ppt/slides/slide52.xml><?xml version="1.0" encoding="utf-8"?>
+<file path=ppt/slides/slide53.xml><?xml version="1.0" encoding="utf-8"?>
 <p:sld xmlns:a="http://schemas.openxmlformats.org/drawingml/2006/main" xmlns:r="http://schemas.openxmlformats.org/officeDocument/2006/relationships" xmlns:p="http://schemas.openxmlformats.org/presentationml/2006/main">
   <p:cSld>
     <p:spTree>
@@ -24013,7 +24142,7 @@
           <a:p>
             <a:fld id="{1BDE3FE7-3AEA-4B05-AC5A-802D1816ACF0}" type="slidenum">
               <a:rPr lang="ko-KR" altLang="en-US" smtClean="0"/>
-              <a:t>52</a:t>
+              <a:t>53</a:t>
             </a:fld>
             <a:endParaRPr lang="ko-KR" altLang="en-US"/>
           </a:p>
@@ -24076,7 +24205,7 @@
 </p:sld>
 </file>
 
-<file path=ppt/slides/slide53.xml><?xml version="1.0" encoding="utf-8"?>
+<file path=ppt/slides/slide54.xml><?xml version="1.0" encoding="utf-8"?>
 <p:sld xmlns:a="http://schemas.openxmlformats.org/drawingml/2006/main" xmlns:r="http://schemas.openxmlformats.org/officeDocument/2006/relationships" xmlns:p="http://schemas.openxmlformats.org/presentationml/2006/main">
   <p:cSld>
     <p:spTree>
@@ -24137,7 +24266,7 @@
           <a:p>
             <a:fld id="{1BDE3FE7-3AEA-4B05-AC5A-802D1816ACF0}" type="slidenum">
               <a:rPr lang="ko-KR" altLang="en-US" smtClean="0"/>
-              <a:t>53</a:t>
+              <a:t>54</a:t>
             </a:fld>
             <a:endParaRPr lang="ko-KR" altLang="en-US"/>
           </a:p>
@@ -24200,7 +24329,7 @@
 </p:sld>
 </file>
 
-<file path=ppt/slides/slide54.xml><?xml version="1.0" encoding="utf-8"?>
+<file path=ppt/slides/slide55.xml><?xml version="1.0" encoding="utf-8"?>
 <p:sld xmlns:a="http://schemas.openxmlformats.org/drawingml/2006/main" xmlns:r="http://schemas.openxmlformats.org/officeDocument/2006/relationships" xmlns:p="http://schemas.openxmlformats.org/presentationml/2006/main">
   <p:cSld>
     <p:spTree>
@@ -24265,7 +24394,7 @@
           <a:p>
             <a:fld id="{1BDE3FE7-3AEA-4B05-AC5A-802D1816ACF0}" type="slidenum">
               <a:rPr lang="ko-KR" altLang="en-US" smtClean="0"/>
-              <a:t>54</a:t>
+              <a:t>55</a:t>
             </a:fld>
             <a:endParaRPr lang="ko-KR" altLang="en-US"/>
           </a:p>
@@ -24387,7 +24516,7 @@
 </p:sld>
 </file>
 
-<file path=ppt/slides/slide55.xml><?xml version="1.0" encoding="utf-8"?>
+<file path=ppt/slides/slide56.xml><?xml version="1.0" encoding="utf-8"?>
 <p:sld xmlns:a="http://schemas.openxmlformats.org/drawingml/2006/main" xmlns:r="http://schemas.openxmlformats.org/officeDocument/2006/relationships" xmlns:p="http://schemas.openxmlformats.org/presentationml/2006/main">
   <p:cSld>
     <p:spTree>
@@ -24452,7 +24581,7 @@
           <a:p>
             <a:fld id="{1BDE3FE7-3AEA-4B05-AC5A-802D1816ACF0}" type="slidenum">
               <a:rPr lang="ko-KR" altLang="en-US" smtClean="0"/>
-              <a:t>55</a:t>
+              <a:t>56</a:t>
             </a:fld>
             <a:endParaRPr lang="ko-KR" altLang="en-US"/>
           </a:p>
